--- a/Android studio/Notes.pptx
+++ b/Android studio/Notes.pptx
@@ -7,6 +7,30 @@
   <p:sldIdLst>
     <p:sldId id="256" r:id="rId2"/>
     <p:sldId id="257" r:id="rId3"/>
+    <p:sldId id="258" r:id="rId4"/>
+    <p:sldId id="259" r:id="rId5"/>
+    <p:sldId id="260" r:id="rId6"/>
+    <p:sldId id="261" r:id="rId7"/>
+    <p:sldId id="262" r:id="rId8"/>
+    <p:sldId id="263" r:id="rId9"/>
+    <p:sldId id="264" r:id="rId10"/>
+    <p:sldId id="265" r:id="rId11"/>
+    <p:sldId id="266" r:id="rId12"/>
+    <p:sldId id="267" r:id="rId13"/>
+    <p:sldId id="268" r:id="rId14"/>
+    <p:sldId id="269" r:id="rId15"/>
+    <p:sldId id="271" r:id="rId16"/>
+    <p:sldId id="270" r:id="rId17"/>
+    <p:sldId id="272" r:id="rId18"/>
+    <p:sldId id="273" r:id="rId19"/>
+    <p:sldId id="274" r:id="rId20"/>
+    <p:sldId id="278" r:id="rId21"/>
+    <p:sldId id="279" r:id="rId22"/>
+    <p:sldId id="280" r:id="rId23"/>
+    <p:sldId id="281" r:id="rId24"/>
+    <p:sldId id="275" r:id="rId25"/>
+    <p:sldId id="276" r:id="rId26"/>
+    <p:sldId id="277" r:id="rId27"/>
   </p:sldIdLst>
   <p:sldSz cx="12192000" cy="6858000"/>
   <p:notesSz cx="6858000" cy="9144000"/>
@@ -105,6 +129,61 @@
       </a:defRPr>
     </a:lvl9pPr>
   </p:defaultTextStyle>
+  <p:extLst>
+    <p:ext uri="{521415D9-36F7-43E2-AB2F-B90AF26B5E84}">
+      <p14:sectionLst xmlns:p14="http://schemas.microsoft.com/office/powerpoint/2010/main">
+        <p14:section name="Default Section" id="{1752176D-BC9B-4471-BB98-1BDF641C043B}">
+          <p14:sldIdLst>
+            <p14:sldId id="256"/>
+            <p14:sldId id="257"/>
+            <p14:sldId id="258"/>
+            <p14:sldId id="259"/>
+          </p14:sldIdLst>
+        </p14:section>
+        <p14:section name="Play with buttons" id="{5D875C5B-26BB-4715-89ED-1BA919AC995E}">
+          <p14:sldIdLst>
+            <p14:sldId id="260"/>
+            <p14:sldId id="261"/>
+            <p14:sldId id="262"/>
+            <p14:sldId id="263"/>
+            <p14:sldId id="264"/>
+            <p14:sldId id="265"/>
+            <p14:sldId id="266"/>
+            <p14:sldId id="267"/>
+            <p14:sldId id="268"/>
+          </p14:sldIdLst>
+        </p14:section>
+        <p14:section name="Get input from user" id="{4A729258-8134-43A3-B7EF-9687A1A2FC4F}">
+          <p14:sldIdLst>
+            <p14:sldId id="269"/>
+            <p14:sldId id="271"/>
+            <p14:sldId id="270"/>
+          </p14:sldIdLst>
+        </p14:section>
+        <p14:section name="Intent(switch pages)" id="{9CF1F840-CD4A-4723-B20F-09F7A44FBA34}">
+          <p14:sldIdLst>
+            <p14:sldId id="272"/>
+            <p14:sldId id="273"/>
+            <p14:sldId id="274"/>
+            <p14:sldId id="278"/>
+            <p14:sldId id="279"/>
+            <p14:sldId id="280"/>
+            <p14:sldId id="281"/>
+          </p14:sldIdLst>
+        </p14:section>
+        <p14:section name="Change app &amp; display names" id="{DB3E9C4E-3052-4595-AA41-51C2F9008360}">
+          <p14:sldIdLst>
+            <p14:sldId id="275"/>
+            <p14:sldId id="276"/>
+            <p14:sldId id="277"/>
+          </p14:sldIdLst>
+        </p14:section>
+      </p14:sectionLst>
+    </p:ext>
+    <p:ext uri="{EFAFB233-063F-42B5-8137-9DF3F51BA10A}">
+      <p15:sldGuideLst xmlns:p15="http://schemas.microsoft.com/office/powerpoint/2012/main"/>
+    </p:ext>
+  </p:extLst>
 </p:presentation>
 </file>
 
@@ -255,7 +334,7 @@
           <a:p>
             <a:fld id="{7114B150-E24E-4495-96FE-9ACD473458CD}" type="datetimeFigureOut">
               <a:rPr lang="en-US" smtClean="0"/>
-              <a:t>9/15/2021</a:t>
+              <a:t>9/26/2021</a:t>
             </a:fld>
             <a:endParaRPr lang="en-US"/>
           </a:p>
@@ -453,7 +532,7 @@
           <a:p>
             <a:fld id="{7114B150-E24E-4495-96FE-9ACD473458CD}" type="datetimeFigureOut">
               <a:rPr lang="en-US" smtClean="0"/>
-              <a:t>9/15/2021</a:t>
+              <a:t>9/26/2021</a:t>
             </a:fld>
             <a:endParaRPr lang="en-US"/>
           </a:p>
@@ -661,7 +740,7 @@
           <a:p>
             <a:fld id="{7114B150-E24E-4495-96FE-9ACD473458CD}" type="datetimeFigureOut">
               <a:rPr lang="en-US" smtClean="0"/>
-              <a:t>9/15/2021</a:t>
+              <a:t>9/26/2021</a:t>
             </a:fld>
             <a:endParaRPr lang="en-US"/>
           </a:p>
@@ -859,7 +938,7 @@
           <a:p>
             <a:fld id="{7114B150-E24E-4495-96FE-9ACD473458CD}" type="datetimeFigureOut">
               <a:rPr lang="en-US" smtClean="0"/>
-              <a:t>9/15/2021</a:t>
+              <a:t>9/26/2021</a:t>
             </a:fld>
             <a:endParaRPr lang="en-US"/>
           </a:p>
@@ -1134,7 +1213,7 @@
           <a:p>
             <a:fld id="{7114B150-E24E-4495-96FE-9ACD473458CD}" type="datetimeFigureOut">
               <a:rPr lang="en-US" smtClean="0"/>
-              <a:t>9/15/2021</a:t>
+              <a:t>9/26/2021</a:t>
             </a:fld>
             <a:endParaRPr lang="en-US"/>
           </a:p>
@@ -1399,7 +1478,7 @@
           <a:p>
             <a:fld id="{7114B150-E24E-4495-96FE-9ACD473458CD}" type="datetimeFigureOut">
               <a:rPr lang="en-US" smtClean="0"/>
-              <a:t>9/15/2021</a:t>
+              <a:t>9/26/2021</a:t>
             </a:fld>
             <a:endParaRPr lang="en-US"/>
           </a:p>
@@ -1811,7 +1890,7 @@
           <a:p>
             <a:fld id="{7114B150-E24E-4495-96FE-9ACD473458CD}" type="datetimeFigureOut">
               <a:rPr lang="en-US" smtClean="0"/>
-              <a:t>9/15/2021</a:t>
+              <a:t>9/26/2021</a:t>
             </a:fld>
             <a:endParaRPr lang="en-US"/>
           </a:p>
@@ -1952,7 +2031,7 @@
           <a:p>
             <a:fld id="{7114B150-E24E-4495-96FE-9ACD473458CD}" type="datetimeFigureOut">
               <a:rPr lang="en-US" smtClean="0"/>
-              <a:t>9/15/2021</a:t>
+              <a:t>9/26/2021</a:t>
             </a:fld>
             <a:endParaRPr lang="en-US"/>
           </a:p>
@@ -2065,7 +2144,7 @@
           <a:p>
             <a:fld id="{7114B150-E24E-4495-96FE-9ACD473458CD}" type="datetimeFigureOut">
               <a:rPr lang="en-US" smtClean="0"/>
-              <a:t>9/15/2021</a:t>
+              <a:t>9/26/2021</a:t>
             </a:fld>
             <a:endParaRPr lang="en-US"/>
           </a:p>
@@ -2376,7 +2455,7 @@
           <a:p>
             <a:fld id="{7114B150-E24E-4495-96FE-9ACD473458CD}" type="datetimeFigureOut">
               <a:rPr lang="en-US" smtClean="0"/>
-              <a:t>9/15/2021</a:t>
+              <a:t>9/26/2021</a:t>
             </a:fld>
             <a:endParaRPr lang="en-US"/>
           </a:p>
@@ -2664,7 +2743,7 @@
           <a:p>
             <a:fld id="{7114B150-E24E-4495-96FE-9ACD473458CD}" type="datetimeFigureOut">
               <a:rPr lang="en-US" smtClean="0"/>
-              <a:t>9/15/2021</a:t>
+              <a:t>9/26/2021</a:t>
             </a:fld>
             <a:endParaRPr lang="en-US"/>
           </a:p>
@@ -2905,7 +2984,7 @@
           <a:p>
             <a:fld id="{7114B150-E24E-4495-96FE-9ACD473458CD}" type="datetimeFigureOut">
               <a:rPr lang="en-US" smtClean="0"/>
-              <a:t>9/15/2021</a:t>
+              <a:t>9/26/2021</a:t>
             </a:fld>
             <a:endParaRPr lang="en-US"/>
           </a:p>
@@ -3433,6 +3512,1527 @@
 </p:sld>
 </file>
 
+<file path=ppt/slides/slide10.xml><?xml version="1.0" encoding="utf-8"?>
+<p:sld xmlns:a="http://schemas.openxmlformats.org/drawingml/2006/main" xmlns:r="http://schemas.openxmlformats.org/officeDocument/2006/relationships" xmlns:p="http://schemas.openxmlformats.org/presentationml/2006/main">
+  <p:cSld>
+    <p:spTree>
+      <p:nvGrpSpPr>
+        <p:cNvPr id="1" name=""/>
+        <p:cNvGrpSpPr/>
+        <p:nvPr/>
+      </p:nvGrpSpPr>
+      <p:grpSpPr>
+        <a:xfrm>
+          <a:off x="0" y="0"/>
+          <a:ext cx="0" cy="0"/>
+          <a:chOff x="0" y="0"/>
+          <a:chExt cx="0" cy="0"/>
+        </a:xfrm>
+      </p:grpSpPr>
+      <p:sp>
+        <p:nvSpPr>
+          <p:cNvPr id="2" name="Title 1">
+            <a:extLst>
+              <a:ext uri="{FF2B5EF4-FFF2-40B4-BE49-F238E27FC236}">
+                <a16:creationId xmlns:a16="http://schemas.microsoft.com/office/drawing/2014/main" id="{B0481167-4087-4054-B1B5-B0648E896805}"/>
+              </a:ext>
+            </a:extLst>
+          </p:cNvPr>
+          <p:cNvSpPr>
+            <a:spLocks noGrp="1"/>
+          </p:cNvSpPr>
+          <p:nvPr>
+            <p:ph type="title"/>
+          </p:nvPr>
+        </p:nvSpPr>
+        <p:spPr/>
+        <p:txBody>
+          <a:bodyPr/>
+          <a:lstStyle/>
+          <a:p>
+            <a:r>
+              <a:rPr lang="en-US" dirty="0"/>
+              <a:t>Result</a:t>
+            </a:r>
+          </a:p>
+        </p:txBody>
+      </p:sp>
+      <p:pic>
+        <p:nvPicPr>
+          <p:cNvPr id="5" name="Content Placeholder 4">
+            <a:extLst>
+              <a:ext uri="{FF2B5EF4-FFF2-40B4-BE49-F238E27FC236}">
+                <a16:creationId xmlns:a16="http://schemas.microsoft.com/office/drawing/2014/main" id="{88DD9778-F2CE-4F3E-8F0A-4B3CDE0B18BE}"/>
+              </a:ext>
+            </a:extLst>
+          </p:cNvPr>
+          <p:cNvPicPr>
+            <a:picLocks noGrp="1" noChangeAspect="1"/>
+          </p:cNvPicPr>
+          <p:nvPr>
+            <p:ph idx="1"/>
+          </p:nvPr>
+        </p:nvPicPr>
+        <p:blipFill>
+          <a:blip r:embed="rId2"/>
+          <a:stretch>
+            <a:fillRect/>
+          </a:stretch>
+        </p:blipFill>
+        <p:spPr>
+          <a:xfrm>
+            <a:off x="1085469" y="1690688"/>
+            <a:ext cx="2573657" cy="4351338"/>
+          </a:xfrm>
+        </p:spPr>
+      </p:pic>
+      <p:cxnSp>
+        <p:nvCxnSpPr>
+          <p:cNvPr id="7" name="Straight Arrow Connector 6">
+            <a:extLst>
+              <a:ext uri="{FF2B5EF4-FFF2-40B4-BE49-F238E27FC236}">
+                <a16:creationId xmlns:a16="http://schemas.microsoft.com/office/drawing/2014/main" id="{52DCA894-2A15-4F0B-88AB-8138FA0E3588}"/>
+              </a:ext>
+            </a:extLst>
+          </p:cNvPr>
+          <p:cNvCxnSpPr/>
+          <p:nvPr/>
+        </p:nvCxnSpPr>
+        <p:spPr>
+          <a:xfrm>
+            <a:off x="1795749" y="2544896"/>
+            <a:ext cx="3966073" cy="0"/>
+          </a:xfrm>
+          <a:prstGeom prst="straightConnector1">
+            <a:avLst/>
+          </a:prstGeom>
+          <a:ln>
+            <a:tailEnd type="triangle"/>
+          </a:ln>
+        </p:spPr>
+        <p:style>
+          <a:lnRef idx="1">
+            <a:schemeClr val="accent1"/>
+          </a:lnRef>
+          <a:fillRef idx="0">
+            <a:schemeClr val="accent1"/>
+          </a:fillRef>
+          <a:effectRef idx="0">
+            <a:schemeClr val="accent1"/>
+          </a:effectRef>
+          <a:fontRef idx="minor">
+            <a:schemeClr val="tx1"/>
+          </a:fontRef>
+        </p:style>
+      </p:cxnSp>
+      <p:pic>
+        <p:nvPicPr>
+          <p:cNvPr id="9" name="Picture 8">
+            <a:extLst>
+              <a:ext uri="{FF2B5EF4-FFF2-40B4-BE49-F238E27FC236}">
+                <a16:creationId xmlns:a16="http://schemas.microsoft.com/office/drawing/2014/main" id="{71813776-E846-4364-B235-1D536A734659}"/>
+              </a:ext>
+            </a:extLst>
+          </p:cNvPr>
+          <p:cNvPicPr>
+            <a:picLocks noChangeAspect="1"/>
+          </p:cNvPicPr>
+          <p:nvPr/>
+        </p:nvPicPr>
+        <p:blipFill>
+          <a:blip r:embed="rId3"/>
+          <a:stretch>
+            <a:fillRect/>
+          </a:stretch>
+        </p:blipFill>
+        <p:spPr>
+          <a:xfrm>
+            <a:off x="6430180" y="1536518"/>
+            <a:ext cx="2592210" cy="4505508"/>
+          </a:xfrm>
+          <a:prstGeom prst="rect">
+            <a:avLst/>
+          </a:prstGeom>
+        </p:spPr>
+      </p:pic>
+      <p:sp>
+        <p:nvSpPr>
+          <p:cNvPr id="10" name="TextBox 9">
+            <a:extLst>
+              <a:ext uri="{FF2B5EF4-FFF2-40B4-BE49-F238E27FC236}">
+                <a16:creationId xmlns:a16="http://schemas.microsoft.com/office/drawing/2014/main" id="{1A33769C-D5A8-449A-8A1D-D7E7025365B6}"/>
+              </a:ext>
+            </a:extLst>
+          </p:cNvPr>
+          <p:cNvSpPr txBox="1"/>
+          <p:nvPr/>
+        </p:nvSpPr>
+        <p:spPr>
+          <a:xfrm>
+            <a:off x="3906395" y="1972019"/>
+            <a:ext cx="1855427" cy="369332"/>
+          </a:xfrm>
+          <a:prstGeom prst="rect">
+            <a:avLst/>
+          </a:prstGeom>
+          <a:noFill/>
+        </p:spPr>
+        <p:txBody>
+          <a:bodyPr wrap="square" rtlCol="0">
+            <a:spAutoFit/>
+          </a:bodyPr>
+          <a:lstStyle/>
+          <a:p>
+            <a:r>
+              <a:rPr lang="en-US" dirty="0"/>
+              <a:t>click</a:t>
+            </a:r>
+          </a:p>
+        </p:txBody>
+      </p:sp>
+    </p:spTree>
+    <p:extLst>
+      <p:ext uri="{BB962C8B-B14F-4D97-AF65-F5344CB8AC3E}">
+        <p14:creationId xmlns:p14="http://schemas.microsoft.com/office/powerpoint/2010/main" val="4262853602"/>
+      </p:ext>
+    </p:extLst>
+  </p:cSld>
+  <p:clrMapOvr>
+    <a:masterClrMapping/>
+  </p:clrMapOvr>
+</p:sld>
+</file>
+
+<file path=ppt/slides/slide11.xml><?xml version="1.0" encoding="utf-8"?>
+<p:sld xmlns:a="http://schemas.openxmlformats.org/drawingml/2006/main" xmlns:r="http://schemas.openxmlformats.org/officeDocument/2006/relationships" xmlns:p="http://schemas.openxmlformats.org/presentationml/2006/main">
+  <p:cSld>
+    <p:spTree>
+      <p:nvGrpSpPr>
+        <p:cNvPr id="1" name=""/>
+        <p:cNvGrpSpPr/>
+        <p:nvPr/>
+      </p:nvGrpSpPr>
+      <p:grpSpPr>
+        <a:xfrm>
+          <a:off x="0" y="0"/>
+          <a:ext cx="0" cy="0"/>
+          <a:chOff x="0" y="0"/>
+          <a:chExt cx="0" cy="0"/>
+        </a:xfrm>
+      </p:grpSpPr>
+      <p:sp>
+        <p:nvSpPr>
+          <p:cNvPr id="2" name="Title 1">
+            <a:extLst>
+              <a:ext uri="{FF2B5EF4-FFF2-40B4-BE49-F238E27FC236}">
+                <a16:creationId xmlns:a16="http://schemas.microsoft.com/office/drawing/2014/main" id="{E11370B3-D69F-4F14-9F9A-34544D15125A}"/>
+              </a:ext>
+            </a:extLst>
+          </p:cNvPr>
+          <p:cNvSpPr>
+            <a:spLocks noGrp="1"/>
+          </p:cNvSpPr>
+          <p:nvPr>
+            <p:ph type="title"/>
+          </p:nvPr>
+        </p:nvSpPr>
+        <p:spPr/>
+        <p:txBody>
+          <a:bodyPr/>
+          <a:lstStyle/>
+          <a:p>
+            <a:r>
+              <a:rPr lang="en-US" dirty="0"/>
+              <a:t>Click button to change text </a:t>
+            </a:r>
+          </a:p>
+        </p:txBody>
+      </p:sp>
+      <p:sp>
+        <p:nvSpPr>
+          <p:cNvPr id="3" name="Content Placeholder 2">
+            <a:extLst>
+              <a:ext uri="{FF2B5EF4-FFF2-40B4-BE49-F238E27FC236}">
+                <a16:creationId xmlns:a16="http://schemas.microsoft.com/office/drawing/2014/main" id="{1D8DDC2D-83DB-4E0A-800C-40AC24C5A151}"/>
+              </a:ext>
+            </a:extLst>
+          </p:cNvPr>
+          <p:cNvSpPr>
+            <a:spLocks noGrp="1"/>
+          </p:cNvSpPr>
+          <p:nvPr>
+            <p:ph idx="1"/>
+          </p:nvPr>
+        </p:nvSpPr>
+        <p:spPr/>
+        <p:txBody>
+          <a:bodyPr/>
+          <a:lstStyle/>
+          <a:p>
+            <a:r>
+              <a:rPr lang="en-US" dirty="0"/>
+              <a:t>Create a </a:t>
+            </a:r>
+            <a:r>
+              <a:rPr lang="en-US" dirty="0" err="1"/>
+              <a:t>textview</a:t>
+            </a:r>
+            <a:r>
+              <a:rPr lang="en-US" dirty="0"/>
+              <a:t>:</a:t>
+            </a:r>
+          </a:p>
+          <a:p>
+            <a:endParaRPr lang="en-US" dirty="0"/>
+          </a:p>
+        </p:txBody>
+      </p:sp>
+      <p:pic>
+        <p:nvPicPr>
+          <p:cNvPr id="5" name="Picture 4">
+            <a:extLst>
+              <a:ext uri="{FF2B5EF4-FFF2-40B4-BE49-F238E27FC236}">
+                <a16:creationId xmlns:a16="http://schemas.microsoft.com/office/drawing/2014/main" id="{323B5488-A96B-40A7-9083-505BA076DB0E}"/>
+              </a:ext>
+            </a:extLst>
+          </p:cNvPr>
+          <p:cNvPicPr>
+            <a:picLocks noChangeAspect="1"/>
+          </p:cNvPicPr>
+          <p:nvPr/>
+        </p:nvPicPr>
+        <p:blipFill>
+          <a:blip r:embed="rId2"/>
+          <a:stretch>
+            <a:fillRect/>
+          </a:stretch>
+        </p:blipFill>
+        <p:spPr>
+          <a:xfrm>
+            <a:off x="5713445" y="2123570"/>
+            <a:ext cx="7510822" cy="4638202"/>
+          </a:xfrm>
+          <a:prstGeom prst="rect">
+            <a:avLst/>
+          </a:prstGeom>
+        </p:spPr>
+      </p:pic>
+    </p:spTree>
+    <p:extLst>
+      <p:ext uri="{BB962C8B-B14F-4D97-AF65-F5344CB8AC3E}">
+        <p14:creationId xmlns:p14="http://schemas.microsoft.com/office/powerpoint/2010/main" val="3908483119"/>
+      </p:ext>
+    </p:extLst>
+  </p:cSld>
+  <p:clrMapOvr>
+    <a:masterClrMapping/>
+  </p:clrMapOvr>
+</p:sld>
+</file>
+
+<file path=ppt/slides/slide12.xml><?xml version="1.0" encoding="utf-8"?>
+<p:sld xmlns:a="http://schemas.openxmlformats.org/drawingml/2006/main" xmlns:r="http://schemas.openxmlformats.org/officeDocument/2006/relationships" xmlns:p="http://schemas.openxmlformats.org/presentationml/2006/main">
+  <p:cSld>
+    <p:spTree>
+      <p:nvGrpSpPr>
+        <p:cNvPr id="1" name=""/>
+        <p:cNvGrpSpPr/>
+        <p:nvPr/>
+      </p:nvGrpSpPr>
+      <p:grpSpPr>
+        <a:xfrm>
+          <a:off x="0" y="0"/>
+          <a:ext cx="0" cy="0"/>
+          <a:chOff x="0" y="0"/>
+          <a:chExt cx="0" cy="0"/>
+        </a:xfrm>
+      </p:grpSpPr>
+      <p:sp>
+        <p:nvSpPr>
+          <p:cNvPr id="2" name="Title 1">
+            <a:extLst>
+              <a:ext uri="{FF2B5EF4-FFF2-40B4-BE49-F238E27FC236}">
+                <a16:creationId xmlns:a16="http://schemas.microsoft.com/office/drawing/2014/main" id="{12B85A46-C75B-4C4E-8EE2-3930C1EA4F91}"/>
+              </a:ext>
+            </a:extLst>
+          </p:cNvPr>
+          <p:cNvSpPr>
+            <a:spLocks noGrp="1"/>
+          </p:cNvSpPr>
+          <p:nvPr>
+            <p:ph type="title"/>
+          </p:nvPr>
+        </p:nvSpPr>
+        <p:spPr/>
+        <p:txBody>
+          <a:bodyPr/>
+          <a:lstStyle/>
+          <a:p>
+            <a:r>
+              <a:rPr lang="en-US" dirty="0"/>
+              <a:t>Update script</a:t>
+            </a:r>
+          </a:p>
+        </p:txBody>
+      </p:sp>
+      <p:pic>
+        <p:nvPicPr>
+          <p:cNvPr id="5" name="Content Placeholder 4">
+            <a:extLst>
+              <a:ext uri="{FF2B5EF4-FFF2-40B4-BE49-F238E27FC236}">
+                <a16:creationId xmlns:a16="http://schemas.microsoft.com/office/drawing/2014/main" id="{ED290206-44B5-4F7B-A192-6BF33C0AACEC}"/>
+              </a:ext>
+            </a:extLst>
+          </p:cNvPr>
+          <p:cNvPicPr>
+            <a:picLocks noGrp="1" noChangeAspect="1"/>
+          </p:cNvPicPr>
+          <p:nvPr>
+            <p:ph idx="1"/>
+          </p:nvPr>
+        </p:nvPicPr>
+        <p:blipFill>
+          <a:blip r:embed="rId2"/>
+          <a:stretch>
+            <a:fillRect/>
+          </a:stretch>
+        </p:blipFill>
+        <p:spPr>
+          <a:xfrm>
+            <a:off x="1410905" y="1825625"/>
+            <a:ext cx="5952735" cy="4351338"/>
+          </a:xfrm>
+        </p:spPr>
+      </p:pic>
+      <p:cxnSp>
+        <p:nvCxnSpPr>
+          <p:cNvPr id="7" name="Straight Arrow Connector 6">
+            <a:extLst>
+              <a:ext uri="{FF2B5EF4-FFF2-40B4-BE49-F238E27FC236}">
+                <a16:creationId xmlns:a16="http://schemas.microsoft.com/office/drawing/2014/main" id="{50845740-8F43-4AD5-A266-CBD691B108BC}"/>
+              </a:ext>
+            </a:extLst>
+          </p:cNvPr>
+          <p:cNvCxnSpPr/>
+          <p:nvPr/>
+        </p:nvCxnSpPr>
+        <p:spPr>
+          <a:xfrm>
+            <a:off x="3371273" y="4886036"/>
+            <a:ext cx="5024582" cy="83128"/>
+          </a:xfrm>
+          <a:prstGeom prst="straightConnector1">
+            <a:avLst/>
+          </a:prstGeom>
+          <a:ln>
+            <a:tailEnd type="triangle"/>
+          </a:ln>
+        </p:spPr>
+        <p:style>
+          <a:lnRef idx="1">
+            <a:schemeClr val="accent1"/>
+          </a:lnRef>
+          <a:fillRef idx="0">
+            <a:schemeClr val="accent1"/>
+          </a:fillRef>
+          <a:effectRef idx="0">
+            <a:schemeClr val="accent1"/>
+          </a:effectRef>
+          <a:fontRef idx="minor">
+            <a:schemeClr val="tx1"/>
+          </a:fontRef>
+        </p:style>
+      </p:cxnSp>
+      <p:sp>
+        <p:nvSpPr>
+          <p:cNvPr id="8" name="TextBox 7">
+            <a:extLst>
+              <a:ext uri="{FF2B5EF4-FFF2-40B4-BE49-F238E27FC236}">
+                <a16:creationId xmlns:a16="http://schemas.microsoft.com/office/drawing/2014/main" id="{3B6910C6-53A3-4403-8D3D-D115A20B16ED}"/>
+              </a:ext>
+            </a:extLst>
+          </p:cNvPr>
+          <p:cNvSpPr txBox="1"/>
+          <p:nvPr/>
+        </p:nvSpPr>
+        <p:spPr>
+          <a:xfrm>
+            <a:off x="8451273" y="4793673"/>
+            <a:ext cx="3666836" cy="923330"/>
+          </a:xfrm>
+          <a:prstGeom prst="rect">
+            <a:avLst/>
+          </a:prstGeom>
+          <a:noFill/>
+        </p:spPr>
+        <p:txBody>
+          <a:bodyPr wrap="square" rtlCol="0">
+            <a:spAutoFit/>
+          </a:bodyPr>
+          <a:lstStyle/>
+          <a:p>
+            <a:r>
+              <a:rPr lang="en-US" dirty="0" err="1"/>
+              <a:t>Textview</a:t>
+            </a:r>
+            <a:r>
+              <a:rPr lang="en-US" dirty="0"/>
+              <a:t> which named “</a:t>
+            </a:r>
+            <a:r>
+              <a:rPr lang="en-US" dirty="0" err="1"/>
+              <a:t>textview</a:t>
+            </a:r>
+            <a:r>
+              <a:rPr lang="en-US" dirty="0"/>
+              <a:t>”  will change to “change!” when click the button </a:t>
+            </a:r>
+          </a:p>
+        </p:txBody>
+      </p:sp>
+    </p:spTree>
+    <p:extLst>
+      <p:ext uri="{BB962C8B-B14F-4D97-AF65-F5344CB8AC3E}">
+        <p14:creationId xmlns:p14="http://schemas.microsoft.com/office/powerpoint/2010/main" val="1363183993"/>
+      </p:ext>
+    </p:extLst>
+  </p:cSld>
+  <p:clrMapOvr>
+    <a:masterClrMapping/>
+  </p:clrMapOvr>
+</p:sld>
+</file>
+
+<file path=ppt/slides/slide13.xml><?xml version="1.0" encoding="utf-8"?>
+<p:sld xmlns:a="http://schemas.openxmlformats.org/drawingml/2006/main" xmlns:r="http://schemas.openxmlformats.org/officeDocument/2006/relationships" xmlns:p="http://schemas.openxmlformats.org/presentationml/2006/main">
+  <p:cSld>
+    <p:spTree>
+      <p:nvGrpSpPr>
+        <p:cNvPr id="1" name=""/>
+        <p:cNvGrpSpPr/>
+        <p:nvPr/>
+      </p:nvGrpSpPr>
+      <p:grpSpPr>
+        <a:xfrm>
+          <a:off x="0" y="0"/>
+          <a:ext cx="0" cy="0"/>
+          <a:chOff x="0" y="0"/>
+          <a:chExt cx="0" cy="0"/>
+        </a:xfrm>
+      </p:grpSpPr>
+      <p:sp>
+        <p:nvSpPr>
+          <p:cNvPr id="2" name="Title 1">
+            <a:extLst>
+              <a:ext uri="{FF2B5EF4-FFF2-40B4-BE49-F238E27FC236}">
+                <a16:creationId xmlns:a16="http://schemas.microsoft.com/office/drawing/2014/main" id="{697D42AB-875D-4A7D-B9F0-E8A619E3F229}"/>
+              </a:ext>
+            </a:extLst>
+          </p:cNvPr>
+          <p:cNvSpPr>
+            <a:spLocks noGrp="1"/>
+          </p:cNvSpPr>
+          <p:nvPr>
+            <p:ph type="title"/>
+          </p:nvPr>
+        </p:nvSpPr>
+        <p:spPr/>
+        <p:txBody>
+          <a:bodyPr/>
+          <a:lstStyle/>
+          <a:p>
+            <a:r>
+              <a:rPr lang="en-US" dirty="0"/>
+              <a:t>Results</a:t>
+            </a:r>
+          </a:p>
+        </p:txBody>
+      </p:sp>
+      <p:pic>
+        <p:nvPicPr>
+          <p:cNvPr id="5" name="Content Placeholder 4">
+            <a:extLst>
+              <a:ext uri="{FF2B5EF4-FFF2-40B4-BE49-F238E27FC236}">
+                <a16:creationId xmlns:a16="http://schemas.microsoft.com/office/drawing/2014/main" id="{D2BA6349-48C5-4683-878A-D5478957F333}"/>
+              </a:ext>
+            </a:extLst>
+          </p:cNvPr>
+          <p:cNvPicPr>
+            <a:picLocks noGrp="1" noChangeAspect="1"/>
+          </p:cNvPicPr>
+          <p:nvPr>
+            <p:ph idx="1"/>
+          </p:nvPr>
+        </p:nvPicPr>
+        <p:blipFill>
+          <a:blip r:embed="rId2"/>
+          <a:stretch>
+            <a:fillRect/>
+          </a:stretch>
+        </p:blipFill>
+        <p:spPr>
+          <a:xfrm>
+            <a:off x="1252232" y="2056534"/>
+            <a:ext cx="2169135" cy="4351338"/>
+          </a:xfrm>
+        </p:spPr>
+      </p:pic>
+      <p:cxnSp>
+        <p:nvCxnSpPr>
+          <p:cNvPr id="7" name="Straight Arrow Connector 6">
+            <a:extLst>
+              <a:ext uri="{FF2B5EF4-FFF2-40B4-BE49-F238E27FC236}">
+                <a16:creationId xmlns:a16="http://schemas.microsoft.com/office/drawing/2014/main" id="{60BD7546-EF4E-4EAE-9852-5A8E3BDA12B7}"/>
+              </a:ext>
+            </a:extLst>
+          </p:cNvPr>
+          <p:cNvCxnSpPr>
+            <a:stCxn id="5" idx="3"/>
+          </p:cNvCxnSpPr>
+          <p:nvPr/>
+        </p:nvCxnSpPr>
+        <p:spPr>
+          <a:xfrm>
+            <a:off x="3421367" y="4232203"/>
+            <a:ext cx="2138924" cy="7288"/>
+          </a:xfrm>
+          <a:prstGeom prst="straightConnector1">
+            <a:avLst/>
+          </a:prstGeom>
+          <a:ln>
+            <a:tailEnd type="triangle"/>
+          </a:ln>
+        </p:spPr>
+        <p:style>
+          <a:lnRef idx="1">
+            <a:schemeClr val="accent1"/>
+          </a:lnRef>
+          <a:fillRef idx="0">
+            <a:schemeClr val="accent1"/>
+          </a:fillRef>
+          <a:effectRef idx="0">
+            <a:schemeClr val="accent1"/>
+          </a:effectRef>
+          <a:fontRef idx="minor">
+            <a:schemeClr val="tx1"/>
+          </a:fontRef>
+        </p:style>
+      </p:cxnSp>
+      <p:pic>
+        <p:nvPicPr>
+          <p:cNvPr id="9" name="Picture 8">
+            <a:extLst>
+              <a:ext uri="{FF2B5EF4-FFF2-40B4-BE49-F238E27FC236}">
+                <a16:creationId xmlns:a16="http://schemas.microsoft.com/office/drawing/2014/main" id="{ADF3D163-A010-44D6-8188-11CBB0DC6F01}"/>
+              </a:ext>
+            </a:extLst>
+          </p:cNvPr>
+          <p:cNvPicPr>
+            <a:picLocks noChangeAspect="1"/>
+          </p:cNvPicPr>
+          <p:nvPr/>
+        </p:nvPicPr>
+        <p:blipFill>
+          <a:blip r:embed="rId3"/>
+          <a:stretch>
+            <a:fillRect/>
+          </a:stretch>
+        </p:blipFill>
+        <p:spPr>
+          <a:xfrm>
+            <a:off x="6518043" y="2385072"/>
+            <a:ext cx="2073633" cy="4351339"/>
+          </a:xfrm>
+          <a:prstGeom prst="rect">
+            <a:avLst/>
+          </a:prstGeom>
+        </p:spPr>
+      </p:pic>
+    </p:spTree>
+    <p:extLst>
+      <p:ext uri="{BB962C8B-B14F-4D97-AF65-F5344CB8AC3E}">
+        <p14:creationId xmlns:p14="http://schemas.microsoft.com/office/powerpoint/2010/main" val="1649676214"/>
+      </p:ext>
+    </p:extLst>
+  </p:cSld>
+  <p:clrMapOvr>
+    <a:masterClrMapping/>
+  </p:clrMapOvr>
+</p:sld>
+</file>
+
+<file path=ppt/slides/slide14.xml><?xml version="1.0" encoding="utf-8"?>
+<p:sld xmlns:a="http://schemas.openxmlformats.org/drawingml/2006/main" xmlns:r="http://schemas.openxmlformats.org/officeDocument/2006/relationships" xmlns:p="http://schemas.openxmlformats.org/presentationml/2006/main">
+  <p:cSld>
+    <p:spTree>
+      <p:nvGrpSpPr>
+        <p:cNvPr id="1" name=""/>
+        <p:cNvGrpSpPr/>
+        <p:nvPr/>
+      </p:nvGrpSpPr>
+      <p:grpSpPr>
+        <a:xfrm>
+          <a:off x="0" y="0"/>
+          <a:ext cx="0" cy="0"/>
+          <a:chOff x="0" y="0"/>
+          <a:chExt cx="0" cy="0"/>
+        </a:xfrm>
+      </p:grpSpPr>
+      <p:sp>
+        <p:nvSpPr>
+          <p:cNvPr id="2" name="Title 1">
+            <a:extLst>
+              <a:ext uri="{FF2B5EF4-FFF2-40B4-BE49-F238E27FC236}">
+                <a16:creationId xmlns:a16="http://schemas.microsoft.com/office/drawing/2014/main" id="{9099C2EB-8B89-4D62-8438-E0E3296255C3}"/>
+              </a:ext>
+            </a:extLst>
+          </p:cNvPr>
+          <p:cNvSpPr>
+            <a:spLocks noGrp="1"/>
+          </p:cNvSpPr>
+          <p:nvPr>
+            <p:ph type="title"/>
+          </p:nvPr>
+        </p:nvSpPr>
+        <p:spPr/>
+        <p:txBody>
+          <a:bodyPr/>
+          <a:lstStyle/>
+          <a:p>
+            <a:r>
+              <a:rPr lang="en-US" dirty="0"/>
+              <a:t>Create plain text and rename it</a:t>
+            </a:r>
+          </a:p>
+        </p:txBody>
+      </p:sp>
+      <p:pic>
+        <p:nvPicPr>
+          <p:cNvPr id="5" name="Content Placeholder 4">
+            <a:extLst>
+              <a:ext uri="{FF2B5EF4-FFF2-40B4-BE49-F238E27FC236}">
+                <a16:creationId xmlns:a16="http://schemas.microsoft.com/office/drawing/2014/main" id="{08FF8F9A-4F3F-4F1C-BFA5-7CFF6B9B6BF3}"/>
+              </a:ext>
+            </a:extLst>
+          </p:cNvPr>
+          <p:cNvPicPr>
+            <a:picLocks noGrp="1" noChangeAspect="1"/>
+          </p:cNvPicPr>
+          <p:nvPr>
+            <p:ph idx="1"/>
+          </p:nvPr>
+        </p:nvPicPr>
+        <p:blipFill>
+          <a:blip r:embed="rId2"/>
+          <a:stretch>
+            <a:fillRect/>
+          </a:stretch>
+        </p:blipFill>
+        <p:spPr>
+          <a:xfrm>
+            <a:off x="1365048" y="1838035"/>
+            <a:ext cx="9489045" cy="4338927"/>
+          </a:xfrm>
+        </p:spPr>
+      </p:pic>
+    </p:spTree>
+    <p:extLst>
+      <p:ext uri="{BB962C8B-B14F-4D97-AF65-F5344CB8AC3E}">
+        <p14:creationId xmlns:p14="http://schemas.microsoft.com/office/powerpoint/2010/main" val="3415020847"/>
+      </p:ext>
+    </p:extLst>
+  </p:cSld>
+  <p:clrMapOvr>
+    <a:masterClrMapping/>
+  </p:clrMapOvr>
+</p:sld>
+</file>
+
+<file path=ppt/slides/slide15.xml><?xml version="1.0" encoding="utf-8"?>
+<p:sld xmlns:a="http://schemas.openxmlformats.org/drawingml/2006/main" xmlns:r="http://schemas.openxmlformats.org/officeDocument/2006/relationships" xmlns:p="http://schemas.openxmlformats.org/presentationml/2006/main">
+  <p:cSld>
+    <p:spTree>
+      <p:nvGrpSpPr>
+        <p:cNvPr id="1" name=""/>
+        <p:cNvGrpSpPr/>
+        <p:nvPr/>
+      </p:nvGrpSpPr>
+      <p:grpSpPr>
+        <a:xfrm>
+          <a:off x="0" y="0"/>
+          <a:ext cx="0" cy="0"/>
+          <a:chOff x="0" y="0"/>
+          <a:chExt cx="0" cy="0"/>
+        </a:xfrm>
+      </p:grpSpPr>
+      <p:sp>
+        <p:nvSpPr>
+          <p:cNvPr id="2" name="Title 1">
+            <a:extLst>
+              <a:ext uri="{FF2B5EF4-FFF2-40B4-BE49-F238E27FC236}">
+                <a16:creationId xmlns:a16="http://schemas.microsoft.com/office/drawing/2014/main" id="{67541C6D-B86A-4EEA-805D-15AD1CC07B36}"/>
+              </a:ext>
+            </a:extLst>
+          </p:cNvPr>
+          <p:cNvSpPr>
+            <a:spLocks noGrp="1"/>
+          </p:cNvSpPr>
+          <p:nvPr>
+            <p:ph type="title"/>
+          </p:nvPr>
+        </p:nvSpPr>
+        <p:spPr/>
+        <p:txBody>
+          <a:bodyPr/>
+          <a:lstStyle/>
+          <a:p>
+            <a:r>
+              <a:rPr lang="en-US" dirty="0"/>
+              <a:t>Create button and change the “onclick” name</a:t>
+            </a:r>
+          </a:p>
+        </p:txBody>
+      </p:sp>
+      <p:pic>
+        <p:nvPicPr>
+          <p:cNvPr id="5" name="Content Placeholder 4">
+            <a:extLst>
+              <a:ext uri="{FF2B5EF4-FFF2-40B4-BE49-F238E27FC236}">
+                <a16:creationId xmlns:a16="http://schemas.microsoft.com/office/drawing/2014/main" id="{99705ACC-2B7C-4981-8C8E-FAF75BBCF1B1}"/>
+              </a:ext>
+            </a:extLst>
+          </p:cNvPr>
+          <p:cNvPicPr>
+            <a:picLocks noGrp="1" noChangeAspect="1"/>
+          </p:cNvPicPr>
+          <p:nvPr>
+            <p:ph idx="1"/>
+          </p:nvPr>
+        </p:nvPicPr>
+        <p:blipFill>
+          <a:blip r:embed="rId2"/>
+          <a:stretch>
+            <a:fillRect/>
+          </a:stretch>
+        </p:blipFill>
+        <p:spPr>
+          <a:xfrm>
+            <a:off x="1029750" y="1816389"/>
+            <a:ext cx="9412064" cy="4351338"/>
+          </a:xfrm>
+        </p:spPr>
+      </p:pic>
+    </p:spTree>
+    <p:extLst>
+      <p:ext uri="{BB962C8B-B14F-4D97-AF65-F5344CB8AC3E}">
+        <p14:creationId xmlns:p14="http://schemas.microsoft.com/office/powerpoint/2010/main" val="2012169563"/>
+      </p:ext>
+    </p:extLst>
+  </p:cSld>
+  <p:clrMapOvr>
+    <a:masterClrMapping/>
+  </p:clrMapOvr>
+</p:sld>
+</file>
+
+<file path=ppt/slides/slide16.xml><?xml version="1.0" encoding="utf-8"?>
+<p:sld xmlns:a="http://schemas.openxmlformats.org/drawingml/2006/main" xmlns:r="http://schemas.openxmlformats.org/officeDocument/2006/relationships" xmlns:p="http://schemas.openxmlformats.org/presentationml/2006/main">
+  <p:cSld>
+    <p:spTree>
+      <p:nvGrpSpPr>
+        <p:cNvPr id="1" name=""/>
+        <p:cNvGrpSpPr/>
+        <p:nvPr/>
+      </p:nvGrpSpPr>
+      <p:grpSpPr>
+        <a:xfrm>
+          <a:off x="0" y="0"/>
+          <a:ext cx="0" cy="0"/>
+          <a:chOff x="0" y="0"/>
+          <a:chExt cx="0" cy="0"/>
+        </a:xfrm>
+      </p:grpSpPr>
+      <p:sp>
+        <p:nvSpPr>
+          <p:cNvPr id="2" name="Title 1">
+            <a:extLst>
+              <a:ext uri="{FF2B5EF4-FFF2-40B4-BE49-F238E27FC236}">
+                <a16:creationId xmlns:a16="http://schemas.microsoft.com/office/drawing/2014/main" id="{152EE523-15C1-44CD-B7DC-5466E8A05702}"/>
+              </a:ext>
+            </a:extLst>
+          </p:cNvPr>
+          <p:cNvSpPr>
+            <a:spLocks noGrp="1"/>
+          </p:cNvSpPr>
+          <p:nvPr>
+            <p:ph type="title"/>
+          </p:nvPr>
+        </p:nvSpPr>
+        <p:spPr/>
+        <p:txBody>
+          <a:bodyPr/>
+          <a:lstStyle/>
+          <a:p>
+            <a:r>
+              <a:rPr lang="en-US" dirty="0"/>
+              <a:t>Update script </a:t>
+            </a:r>
+          </a:p>
+        </p:txBody>
+      </p:sp>
+      <p:pic>
+        <p:nvPicPr>
+          <p:cNvPr id="5" name="Content Placeholder 4">
+            <a:extLst>
+              <a:ext uri="{FF2B5EF4-FFF2-40B4-BE49-F238E27FC236}">
+                <a16:creationId xmlns:a16="http://schemas.microsoft.com/office/drawing/2014/main" id="{FBDF4B0F-64D2-4433-B8B8-0C0A4085AF5E}"/>
+              </a:ext>
+            </a:extLst>
+          </p:cNvPr>
+          <p:cNvPicPr>
+            <a:picLocks noGrp="1" noChangeAspect="1"/>
+          </p:cNvPicPr>
+          <p:nvPr>
+            <p:ph idx="1"/>
+          </p:nvPr>
+        </p:nvPicPr>
+        <p:blipFill>
+          <a:blip r:embed="rId2"/>
+          <a:stretch>
+            <a:fillRect/>
+          </a:stretch>
+        </p:blipFill>
+        <p:spPr>
+          <a:xfrm>
+            <a:off x="1205018" y="1816389"/>
+            <a:ext cx="9375563" cy="4351338"/>
+          </a:xfrm>
+        </p:spPr>
+      </p:pic>
+      <p:cxnSp>
+        <p:nvCxnSpPr>
+          <p:cNvPr id="7" name="Straight Arrow Connector 6">
+            <a:extLst>
+              <a:ext uri="{FF2B5EF4-FFF2-40B4-BE49-F238E27FC236}">
+                <a16:creationId xmlns:a16="http://schemas.microsoft.com/office/drawing/2014/main" id="{88E89C92-B346-4DD8-9BF8-FB4A6C8423A9}"/>
+              </a:ext>
+            </a:extLst>
+          </p:cNvPr>
+          <p:cNvCxnSpPr/>
+          <p:nvPr/>
+        </p:nvCxnSpPr>
+        <p:spPr>
+          <a:xfrm flipV="1">
+            <a:off x="3121891" y="1551709"/>
+            <a:ext cx="2004291" cy="2817091"/>
+          </a:xfrm>
+          <a:prstGeom prst="straightConnector1">
+            <a:avLst/>
+          </a:prstGeom>
+          <a:ln>
+            <a:tailEnd type="triangle"/>
+          </a:ln>
+        </p:spPr>
+        <p:style>
+          <a:lnRef idx="1">
+            <a:schemeClr val="accent1"/>
+          </a:lnRef>
+          <a:fillRef idx="0">
+            <a:schemeClr val="accent1"/>
+          </a:fillRef>
+          <a:effectRef idx="0">
+            <a:schemeClr val="accent1"/>
+          </a:effectRef>
+          <a:fontRef idx="minor">
+            <a:schemeClr val="tx1"/>
+          </a:fontRef>
+        </p:style>
+      </p:cxnSp>
+      <p:sp>
+        <p:nvSpPr>
+          <p:cNvPr id="8" name="TextBox 7">
+            <a:extLst>
+              <a:ext uri="{FF2B5EF4-FFF2-40B4-BE49-F238E27FC236}">
+                <a16:creationId xmlns:a16="http://schemas.microsoft.com/office/drawing/2014/main" id="{5ACD1132-3B9A-4AD4-94F6-D99E7CA164ED}"/>
+              </a:ext>
+            </a:extLst>
+          </p:cNvPr>
+          <p:cNvSpPr txBox="1"/>
+          <p:nvPr/>
+        </p:nvSpPr>
+        <p:spPr>
+          <a:xfrm>
+            <a:off x="5089235" y="1311564"/>
+            <a:ext cx="5491345" cy="369332"/>
+          </a:xfrm>
+          <a:prstGeom prst="rect">
+            <a:avLst/>
+          </a:prstGeom>
+          <a:noFill/>
+        </p:spPr>
+        <p:txBody>
+          <a:bodyPr wrap="square" rtlCol="0">
+            <a:spAutoFit/>
+          </a:bodyPr>
+          <a:lstStyle/>
+          <a:p>
+            <a:r>
+              <a:rPr lang="en-US" dirty="0"/>
+              <a:t>Button </a:t>
+            </a:r>
+            <a:r>
+              <a:rPr lang="en-US" dirty="0">
+                <a:solidFill>
+                  <a:srgbClr val="FF0000"/>
+                </a:solidFill>
+              </a:rPr>
+              <a:t>onclick name </a:t>
+            </a:r>
+            <a:r>
+              <a:rPr lang="en-US" dirty="0"/>
+              <a:t>which set in the previous slide  </a:t>
+            </a:r>
+          </a:p>
+        </p:txBody>
+      </p:sp>
+      <p:cxnSp>
+        <p:nvCxnSpPr>
+          <p:cNvPr id="10" name="Straight Arrow Connector 9">
+            <a:extLst>
+              <a:ext uri="{FF2B5EF4-FFF2-40B4-BE49-F238E27FC236}">
+                <a16:creationId xmlns:a16="http://schemas.microsoft.com/office/drawing/2014/main" id="{CBA7A7D6-5401-4EAE-8249-5CDC3E72A02E}"/>
+              </a:ext>
+            </a:extLst>
+          </p:cNvPr>
+          <p:cNvCxnSpPr>
+            <a:cxnSpLocks/>
+          </p:cNvCxnSpPr>
+          <p:nvPr/>
+        </p:nvCxnSpPr>
+        <p:spPr>
+          <a:xfrm>
+            <a:off x="3990109" y="4618182"/>
+            <a:ext cx="1394691" cy="1681018"/>
+          </a:xfrm>
+          <a:prstGeom prst="straightConnector1">
+            <a:avLst/>
+          </a:prstGeom>
+          <a:ln>
+            <a:tailEnd type="triangle"/>
+          </a:ln>
+        </p:spPr>
+        <p:style>
+          <a:lnRef idx="1">
+            <a:schemeClr val="accent1"/>
+          </a:lnRef>
+          <a:fillRef idx="0">
+            <a:schemeClr val="accent1"/>
+          </a:fillRef>
+          <a:effectRef idx="0">
+            <a:schemeClr val="accent1"/>
+          </a:effectRef>
+          <a:fontRef idx="minor">
+            <a:schemeClr val="tx1"/>
+          </a:fontRef>
+        </p:style>
+      </p:cxnSp>
+      <p:sp>
+        <p:nvSpPr>
+          <p:cNvPr id="14" name="TextBox 13">
+            <a:extLst>
+              <a:ext uri="{FF2B5EF4-FFF2-40B4-BE49-F238E27FC236}">
+                <a16:creationId xmlns:a16="http://schemas.microsoft.com/office/drawing/2014/main" id="{5A733F7A-FA76-4708-AE35-30E36248ABB5}"/>
+              </a:ext>
+            </a:extLst>
+          </p:cNvPr>
+          <p:cNvSpPr txBox="1"/>
+          <p:nvPr/>
+        </p:nvSpPr>
+        <p:spPr>
+          <a:xfrm>
+            <a:off x="5269344" y="6363916"/>
+            <a:ext cx="5491345" cy="369332"/>
+          </a:xfrm>
+          <a:prstGeom prst="rect">
+            <a:avLst/>
+          </a:prstGeom>
+          <a:noFill/>
+        </p:spPr>
+        <p:txBody>
+          <a:bodyPr wrap="square" rtlCol="0">
+            <a:spAutoFit/>
+          </a:bodyPr>
+          <a:lstStyle/>
+          <a:p>
+            <a:r>
+              <a:rPr lang="en-US" dirty="0"/>
+              <a:t>Plain text name “</a:t>
+            </a:r>
+            <a:r>
+              <a:rPr lang="en-US" dirty="0" err="1"/>
+              <a:t>anyname</a:t>
+            </a:r>
+            <a:r>
+              <a:rPr lang="en-US" dirty="0"/>
+              <a:t>”</a:t>
+            </a:r>
+          </a:p>
+        </p:txBody>
+      </p:sp>
+    </p:spTree>
+    <p:extLst>
+      <p:ext uri="{BB962C8B-B14F-4D97-AF65-F5344CB8AC3E}">
+        <p14:creationId xmlns:p14="http://schemas.microsoft.com/office/powerpoint/2010/main" val="1410063396"/>
+      </p:ext>
+    </p:extLst>
+  </p:cSld>
+  <p:clrMapOvr>
+    <a:masterClrMapping/>
+  </p:clrMapOvr>
+</p:sld>
+</file>
+
+<file path=ppt/slides/slide17.xml><?xml version="1.0" encoding="utf-8"?>
+<p:sld xmlns:a="http://schemas.openxmlformats.org/drawingml/2006/main" xmlns:r="http://schemas.openxmlformats.org/officeDocument/2006/relationships" xmlns:p="http://schemas.openxmlformats.org/presentationml/2006/main">
+  <p:cSld>
+    <p:spTree>
+      <p:nvGrpSpPr>
+        <p:cNvPr id="1" name=""/>
+        <p:cNvGrpSpPr/>
+        <p:nvPr/>
+      </p:nvGrpSpPr>
+      <p:grpSpPr>
+        <a:xfrm>
+          <a:off x="0" y="0"/>
+          <a:ext cx="0" cy="0"/>
+          <a:chOff x="0" y="0"/>
+          <a:chExt cx="0" cy="0"/>
+        </a:xfrm>
+      </p:grpSpPr>
+      <p:sp>
+        <p:nvSpPr>
+          <p:cNvPr id="2" name="Title 1">
+            <a:extLst>
+              <a:ext uri="{FF2B5EF4-FFF2-40B4-BE49-F238E27FC236}">
+                <a16:creationId xmlns:a16="http://schemas.microsoft.com/office/drawing/2014/main" id="{B07E711A-4E1B-4345-8A63-5C5B29D19377}"/>
+              </a:ext>
+            </a:extLst>
+          </p:cNvPr>
+          <p:cNvSpPr>
+            <a:spLocks noGrp="1"/>
+          </p:cNvSpPr>
+          <p:nvPr>
+            <p:ph type="title"/>
+          </p:nvPr>
+        </p:nvSpPr>
+        <p:spPr/>
+        <p:txBody>
+          <a:bodyPr/>
+          <a:lstStyle/>
+          <a:p>
+            <a:r>
+              <a:rPr lang="en-US" dirty="0"/>
+              <a:t>Create new activity</a:t>
+            </a:r>
+          </a:p>
+        </p:txBody>
+      </p:sp>
+      <p:pic>
+        <p:nvPicPr>
+          <p:cNvPr id="5" name="Content Placeholder 4">
+            <a:extLst>
+              <a:ext uri="{FF2B5EF4-FFF2-40B4-BE49-F238E27FC236}">
+                <a16:creationId xmlns:a16="http://schemas.microsoft.com/office/drawing/2014/main" id="{82DCCD3F-5F4B-4065-8F44-A587D42A7C49}"/>
+              </a:ext>
+            </a:extLst>
+          </p:cNvPr>
+          <p:cNvPicPr>
+            <a:picLocks noGrp="1" noChangeAspect="1"/>
+          </p:cNvPicPr>
+          <p:nvPr>
+            <p:ph idx="1"/>
+          </p:nvPr>
+        </p:nvPicPr>
+        <p:blipFill>
+          <a:blip r:embed="rId2"/>
+          <a:stretch>
+            <a:fillRect/>
+          </a:stretch>
+        </p:blipFill>
+        <p:spPr>
+          <a:xfrm>
+            <a:off x="494074" y="1783994"/>
+            <a:ext cx="5748105" cy="3054888"/>
+          </a:xfrm>
+        </p:spPr>
+      </p:pic>
+      <p:pic>
+        <p:nvPicPr>
+          <p:cNvPr id="7" name="Picture 6">
+            <a:extLst>
+              <a:ext uri="{FF2B5EF4-FFF2-40B4-BE49-F238E27FC236}">
+                <a16:creationId xmlns:a16="http://schemas.microsoft.com/office/drawing/2014/main" id="{A13B676E-8ECF-420E-A4BA-3BBE7864EFA1}"/>
+              </a:ext>
+            </a:extLst>
+          </p:cNvPr>
+          <p:cNvPicPr>
+            <a:picLocks noChangeAspect="1"/>
+          </p:cNvPicPr>
+          <p:nvPr/>
+        </p:nvPicPr>
+        <p:blipFill>
+          <a:blip r:embed="rId3"/>
+          <a:stretch>
+            <a:fillRect/>
+          </a:stretch>
+        </p:blipFill>
+        <p:spPr>
+          <a:xfrm>
+            <a:off x="7351468" y="1783994"/>
+            <a:ext cx="4539559" cy="3303037"/>
+          </a:xfrm>
+          <a:prstGeom prst="rect">
+            <a:avLst/>
+          </a:prstGeom>
+        </p:spPr>
+      </p:pic>
+      <p:cxnSp>
+        <p:nvCxnSpPr>
+          <p:cNvPr id="9" name="Straight Arrow Connector 8">
+            <a:extLst>
+              <a:ext uri="{FF2B5EF4-FFF2-40B4-BE49-F238E27FC236}">
+                <a16:creationId xmlns:a16="http://schemas.microsoft.com/office/drawing/2014/main" id="{A03F2FC9-8BD0-45DA-B5AD-DEE793A76C0E}"/>
+              </a:ext>
+            </a:extLst>
+          </p:cNvPr>
+          <p:cNvCxnSpPr/>
+          <p:nvPr/>
+        </p:nvCxnSpPr>
+        <p:spPr>
+          <a:xfrm>
+            <a:off x="6335486" y="3256384"/>
+            <a:ext cx="830424" cy="0"/>
+          </a:xfrm>
+          <a:prstGeom prst="straightConnector1">
+            <a:avLst/>
+          </a:prstGeom>
+          <a:ln>
+            <a:tailEnd type="triangle"/>
+          </a:ln>
+        </p:spPr>
+        <p:style>
+          <a:lnRef idx="1">
+            <a:schemeClr val="accent1"/>
+          </a:lnRef>
+          <a:fillRef idx="0">
+            <a:schemeClr val="accent1"/>
+          </a:fillRef>
+          <a:effectRef idx="0">
+            <a:schemeClr val="accent1"/>
+          </a:effectRef>
+          <a:fontRef idx="minor">
+            <a:schemeClr val="tx1"/>
+          </a:fontRef>
+        </p:style>
+      </p:cxnSp>
+    </p:spTree>
+    <p:extLst>
+      <p:ext uri="{BB962C8B-B14F-4D97-AF65-F5344CB8AC3E}">
+        <p14:creationId xmlns:p14="http://schemas.microsoft.com/office/powerpoint/2010/main" val="3694994318"/>
+      </p:ext>
+    </p:extLst>
+  </p:cSld>
+  <p:clrMapOvr>
+    <a:masterClrMapping/>
+  </p:clrMapOvr>
+</p:sld>
+</file>
+
+<file path=ppt/slides/slide18.xml><?xml version="1.0" encoding="utf-8"?>
+<p:sld xmlns:a="http://schemas.openxmlformats.org/drawingml/2006/main" xmlns:r="http://schemas.openxmlformats.org/officeDocument/2006/relationships" xmlns:p="http://schemas.openxmlformats.org/presentationml/2006/main">
+  <p:cSld>
+    <p:spTree>
+      <p:nvGrpSpPr>
+        <p:cNvPr id="1" name=""/>
+        <p:cNvGrpSpPr/>
+        <p:nvPr/>
+      </p:nvGrpSpPr>
+      <p:grpSpPr>
+        <a:xfrm>
+          <a:off x="0" y="0"/>
+          <a:ext cx="0" cy="0"/>
+          <a:chOff x="0" y="0"/>
+          <a:chExt cx="0" cy="0"/>
+        </a:xfrm>
+      </p:grpSpPr>
+      <p:sp>
+        <p:nvSpPr>
+          <p:cNvPr id="2" name="Title 1">
+            <a:extLst>
+              <a:ext uri="{FF2B5EF4-FFF2-40B4-BE49-F238E27FC236}">
+                <a16:creationId xmlns:a16="http://schemas.microsoft.com/office/drawing/2014/main" id="{8FE1E810-D37E-4206-B951-83ADB53D7A50}"/>
+              </a:ext>
+            </a:extLst>
+          </p:cNvPr>
+          <p:cNvSpPr>
+            <a:spLocks noGrp="1"/>
+          </p:cNvSpPr>
+          <p:nvPr>
+            <p:ph type="title"/>
+          </p:nvPr>
+        </p:nvSpPr>
+        <p:spPr>
+          <a:xfrm>
+            <a:off x="838200" y="18255"/>
+            <a:ext cx="10515600" cy="1325563"/>
+          </a:xfrm>
+        </p:spPr>
+        <p:txBody>
+          <a:bodyPr/>
+          <a:lstStyle/>
+          <a:p>
+            <a:r>
+              <a:rPr lang="en-US" dirty="0"/>
+              <a:t>MainActivity.java</a:t>
+            </a:r>
+          </a:p>
+        </p:txBody>
+      </p:sp>
+      <p:pic>
+        <p:nvPicPr>
+          <p:cNvPr id="5" name="Content Placeholder 4">
+            <a:extLst>
+              <a:ext uri="{FF2B5EF4-FFF2-40B4-BE49-F238E27FC236}">
+                <a16:creationId xmlns:a16="http://schemas.microsoft.com/office/drawing/2014/main" id="{C82CCD27-37BA-444F-885F-4F4AFFAA71F0}"/>
+              </a:ext>
+            </a:extLst>
+          </p:cNvPr>
+          <p:cNvPicPr>
+            <a:picLocks noGrp="1" noChangeAspect="1"/>
+          </p:cNvPicPr>
+          <p:nvPr>
+            <p:ph idx="1"/>
+          </p:nvPr>
+        </p:nvPicPr>
+        <p:blipFill>
+          <a:blip r:embed="rId2"/>
+          <a:stretch>
+            <a:fillRect/>
+          </a:stretch>
+        </p:blipFill>
+        <p:spPr>
+          <a:xfrm>
+            <a:off x="1156457" y="1343818"/>
+            <a:ext cx="6606655" cy="4833938"/>
+          </a:xfrm>
+        </p:spPr>
+      </p:pic>
+    </p:spTree>
+    <p:extLst>
+      <p:ext uri="{BB962C8B-B14F-4D97-AF65-F5344CB8AC3E}">
+        <p14:creationId xmlns:p14="http://schemas.microsoft.com/office/powerpoint/2010/main" val="1093852844"/>
+      </p:ext>
+    </p:extLst>
+  </p:cSld>
+  <p:clrMapOvr>
+    <a:masterClrMapping/>
+  </p:clrMapOvr>
+</p:sld>
+</file>
+
+<file path=ppt/slides/slide19.xml><?xml version="1.0" encoding="utf-8"?>
+<p:sld xmlns:a="http://schemas.openxmlformats.org/drawingml/2006/main" xmlns:r="http://schemas.openxmlformats.org/officeDocument/2006/relationships" xmlns:p="http://schemas.openxmlformats.org/presentationml/2006/main">
+  <p:cSld>
+    <p:spTree>
+      <p:nvGrpSpPr>
+        <p:cNvPr id="1" name=""/>
+        <p:cNvGrpSpPr/>
+        <p:nvPr/>
+      </p:nvGrpSpPr>
+      <p:grpSpPr>
+        <a:xfrm>
+          <a:off x="0" y="0"/>
+          <a:ext cx="0" cy="0"/>
+          <a:chOff x="0" y="0"/>
+          <a:chExt cx="0" cy="0"/>
+        </a:xfrm>
+      </p:grpSpPr>
+      <p:sp>
+        <p:nvSpPr>
+          <p:cNvPr id="2" name="Title 1">
+            <a:extLst>
+              <a:ext uri="{FF2B5EF4-FFF2-40B4-BE49-F238E27FC236}">
+                <a16:creationId xmlns:a16="http://schemas.microsoft.com/office/drawing/2014/main" id="{6A36209F-9E1F-4E3F-89ED-9EC421D09087}"/>
+              </a:ext>
+            </a:extLst>
+          </p:cNvPr>
+          <p:cNvSpPr>
+            <a:spLocks noGrp="1"/>
+          </p:cNvSpPr>
+          <p:nvPr>
+            <p:ph type="title"/>
+          </p:nvPr>
+        </p:nvSpPr>
+        <p:spPr/>
+        <p:txBody>
+          <a:bodyPr/>
+          <a:lstStyle/>
+          <a:p>
+            <a:r>
+              <a:rPr lang="en-US" dirty="0"/>
+              <a:t>Results (click button jump to next page)</a:t>
+            </a:r>
+          </a:p>
+        </p:txBody>
+      </p:sp>
+      <p:pic>
+        <p:nvPicPr>
+          <p:cNvPr id="5" name="Content Placeholder 4">
+            <a:extLst>
+              <a:ext uri="{FF2B5EF4-FFF2-40B4-BE49-F238E27FC236}">
+                <a16:creationId xmlns:a16="http://schemas.microsoft.com/office/drawing/2014/main" id="{6EDE4ED3-183A-4AEC-A0D5-9AE2CD6D3492}"/>
+              </a:ext>
+            </a:extLst>
+          </p:cNvPr>
+          <p:cNvPicPr>
+            <a:picLocks noGrp="1" noChangeAspect="1"/>
+          </p:cNvPicPr>
+          <p:nvPr>
+            <p:ph idx="1"/>
+          </p:nvPr>
+        </p:nvPicPr>
+        <p:blipFill>
+          <a:blip r:embed="rId2"/>
+          <a:stretch>
+            <a:fillRect/>
+          </a:stretch>
+        </p:blipFill>
+        <p:spPr>
+          <a:xfrm>
+            <a:off x="1140471" y="1847659"/>
+            <a:ext cx="2067050" cy="4351338"/>
+          </a:xfrm>
+        </p:spPr>
+      </p:pic>
+      <p:cxnSp>
+        <p:nvCxnSpPr>
+          <p:cNvPr id="7" name="Straight Arrow Connector 6">
+            <a:extLst>
+              <a:ext uri="{FF2B5EF4-FFF2-40B4-BE49-F238E27FC236}">
+                <a16:creationId xmlns:a16="http://schemas.microsoft.com/office/drawing/2014/main" id="{90564E20-B7F2-494D-A16E-E29AFD8BF179}"/>
+              </a:ext>
+            </a:extLst>
+          </p:cNvPr>
+          <p:cNvCxnSpPr>
+            <a:stCxn id="5" idx="3"/>
+          </p:cNvCxnSpPr>
+          <p:nvPr/>
+        </p:nvCxnSpPr>
+        <p:spPr>
+          <a:xfrm flipV="1">
+            <a:off x="3207521" y="3988106"/>
+            <a:ext cx="2433115" cy="35222"/>
+          </a:xfrm>
+          <a:prstGeom prst="straightConnector1">
+            <a:avLst/>
+          </a:prstGeom>
+          <a:ln>
+            <a:tailEnd type="triangle"/>
+          </a:ln>
+        </p:spPr>
+        <p:style>
+          <a:lnRef idx="1">
+            <a:schemeClr val="accent1"/>
+          </a:lnRef>
+          <a:fillRef idx="0">
+            <a:schemeClr val="accent1"/>
+          </a:fillRef>
+          <a:effectRef idx="0">
+            <a:schemeClr val="accent1"/>
+          </a:effectRef>
+          <a:fontRef idx="minor">
+            <a:schemeClr val="tx1"/>
+          </a:fontRef>
+        </p:style>
+      </p:cxnSp>
+      <p:sp>
+        <p:nvSpPr>
+          <p:cNvPr id="8" name="TextBox 7">
+            <a:extLst>
+              <a:ext uri="{FF2B5EF4-FFF2-40B4-BE49-F238E27FC236}">
+                <a16:creationId xmlns:a16="http://schemas.microsoft.com/office/drawing/2014/main" id="{58C1085F-2346-4F5B-921F-43E22B63E2E2}"/>
+              </a:ext>
+            </a:extLst>
+          </p:cNvPr>
+          <p:cNvSpPr txBox="1"/>
+          <p:nvPr/>
+        </p:nvSpPr>
+        <p:spPr>
+          <a:xfrm flipH="1">
+            <a:off x="4076241" y="3534665"/>
+            <a:ext cx="1299990" cy="369332"/>
+          </a:xfrm>
+          <a:prstGeom prst="rect">
+            <a:avLst/>
+          </a:prstGeom>
+          <a:noFill/>
+        </p:spPr>
+        <p:txBody>
+          <a:bodyPr wrap="square" rtlCol="0">
+            <a:spAutoFit/>
+          </a:bodyPr>
+          <a:lstStyle/>
+          <a:p>
+            <a:r>
+              <a:rPr lang="en-US" dirty="0"/>
+              <a:t>Click button</a:t>
+            </a:r>
+          </a:p>
+        </p:txBody>
+      </p:sp>
+      <p:pic>
+        <p:nvPicPr>
+          <p:cNvPr id="10" name="Picture 9">
+            <a:extLst>
+              <a:ext uri="{FF2B5EF4-FFF2-40B4-BE49-F238E27FC236}">
+                <a16:creationId xmlns:a16="http://schemas.microsoft.com/office/drawing/2014/main" id="{4E4326F5-38A6-43D2-9768-0B5EEC6DEDF2}"/>
+              </a:ext>
+            </a:extLst>
+          </p:cNvPr>
+          <p:cNvPicPr>
+            <a:picLocks noChangeAspect="1"/>
+          </p:cNvPicPr>
+          <p:nvPr/>
+        </p:nvPicPr>
+        <p:blipFill>
+          <a:blip r:embed="rId3"/>
+          <a:stretch>
+            <a:fillRect/>
+          </a:stretch>
+        </p:blipFill>
+        <p:spPr>
+          <a:xfrm>
+            <a:off x="5802263" y="1917299"/>
+            <a:ext cx="2027016" cy="4450039"/>
+          </a:xfrm>
+          <a:prstGeom prst="rect">
+            <a:avLst/>
+          </a:prstGeom>
+        </p:spPr>
+      </p:pic>
+    </p:spTree>
+    <p:extLst>
+      <p:ext uri="{BB962C8B-B14F-4D97-AF65-F5344CB8AC3E}">
+        <p14:creationId xmlns:p14="http://schemas.microsoft.com/office/powerpoint/2010/main" val="1250450814"/>
+      </p:ext>
+    </p:extLst>
+  </p:cSld>
+  <p:clrMapOvr>
+    <a:masterClrMapping/>
+  </p:clrMapOvr>
+</p:sld>
+</file>
+
 <file path=ppt/slides/slide2.xml><?xml version="1.0" encoding="utf-8"?>
 <p:sld xmlns:a="http://schemas.openxmlformats.org/drawingml/2006/main" xmlns:r="http://schemas.openxmlformats.org/officeDocument/2006/relationships" xmlns:p="http://schemas.openxmlformats.org/presentationml/2006/main">
   <p:cSld>
@@ -3511,6 +5111,1695 @@
     <p:extLst>
       <p:ext uri="{BB962C8B-B14F-4D97-AF65-F5344CB8AC3E}">
         <p14:creationId xmlns:p14="http://schemas.microsoft.com/office/powerpoint/2010/main" val="3756822854"/>
+      </p:ext>
+    </p:extLst>
+  </p:cSld>
+  <p:clrMapOvr>
+    <a:masterClrMapping/>
+  </p:clrMapOvr>
+</p:sld>
+</file>
+
+<file path=ppt/slides/slide20.xml><?xml version="1.0" encoding="utf-8"?>
+<p:sld xmlns:a="http://schemas.openxmlformats.org/drawingml/2006/main" xmlns:r="http://schemas.openxmlformats.org/officeDocument/2006/relationships" xmlns:p="http://schemas.openxmlformats.org/presentationml/2006/main">
+  <p:cSld>
+    <p:spTree>
+      <p:nvGrpSpPr>
+        <p:cNvPr id="1" name=""/>
+        <p:cNvGrpSpPr/>
+        <p:nvPr/>
+      </p:nvGrpSpPr>
+      <p:grpSpPr>
+        <a:xfrm>
+          <a:off x="0" y="0"/>
+          <a:ext cx="0" cy="0"/>
+          <a:chOff x="0" y="0"/>
+          <a:chExt cx="0" cy="0"/>
+        </a:xfrm>
+      </p:grpSpPr>
+      <p:sp>
+        <p:nvSpPr>
+          <p:cNvPr id="2" name="Title 1">
+            <a:extLst>
+              <a:ext uri="{FF2B5EF4-FFF2-40B4-BE49-F238E27FC236}">
+                <a16:creationId xmlns:a16="http://schemas.microsoft.com/office/drawing/2014/main" id="{79B7AD02-8A45-4172-966C-90EB3D4D62A5}"/>
+              </a:ext>
+            </a:extLst>
+          </p:cNvPr>
+          <p:cNvSpPr>
+            <a:spLocks noGrp="1"/>
+          </p:cNvSpPr>
+          <p:nvPr>
+            <p:ph type="title"/>
+          </p:nvPr>
+        </p:nvSpPr>
+        <p:spPr/>
+        <p:txBody>
+          <a:bodyPr/>
+          <a:lstStyle/>
+          <a:p>
+            <a:r>
+              <a:rPr lang="en-US" dirty="0"/>
+              <a:t>Child page to Parent (main) page</a:t>
+            </a:r>
+          </a:p>
+        </p:txBody>
+      </p:sp>
+      <p:sp>
+        <p:nvSpPr>
+          <p:cNvPr id="3" name="Content Placeholder 2">
+            <a:extLst>
+              <a:ext uri="{FF2B5EF4-FFF2-40B4-BE49-F238E27FC236}">
+                <a16:creationId xmlns:a16="http://schemas.microsoft.com/office/drawing/2014/main" id="{DB93C49C-DBD2-4C97-9847-FD3A3F02015E}"/>
+              </a:ext>
+            </a:extLst>
+          </p:cNvPr>
+          <p:cNvSpPr>
+            <a:spLocks noGrp="1"/>
+          </p:cNvSpPr>
+          <p:nvPr>
+            <p:ph idx="1"/>
+          </p:nvPr>
+        </p:nvSpPr>
+        <p:spPr/>
+        <p:txBody>
+          <a:bodyPr/>
+          <a:lstStyle/>
+          <a:p>
+            <a:r>
+              <a:rPr lang="en-US" dirty="0"/>
+              <a:t>Edit in “AndroidMainfest.xml”</a:t>
+            </a:r>
+          </a:p>
+          <a:p>
+            <a:endParaRPr lang="en-US" dirty="0"/>
+          </a:p>
+        </p:txBody>
+      </p:sp>
+      <p:pic>
+        <p:nvPicPr>
+          <p:cNvPr id="5" name="Picture 4">
+            <a:extLst>
+              <a:ext uri="{FF2B5EF4-FFF2-40B4-BE49-F238E27FC236}">
+                <a16:creationId xmlns:a16="http://schemas.microsoft.com/office/drawing/2014/main" id="{773AD3C9-B2D1-477C-B21A-2118995D945A}"/>
+              </a:ext>
+            </a:extLst>
+          </p:cNvPr>
+          <p:cNvPicPr>
+            <a:picLocks noChangeAspect="1"/>
+          </p:cNvPicPr>
+          <p:nvPr/>
+        </p:nvPicPr>
+        <p:blipFill>
+          <a:blip r:embed="rId2"/>
+          <a:stretch>
+            <a:fillRect/>
+          </a:stretch>
+        </p:blipFill>
+        <p:spPr>
+          <a:xfrm>
+            <a:off x="1211855" y="2574070"/>
+            <a:ext cx="7039090" cy="4110465"/>
+          </a:xfrm>
+          <a:prstGeom prst="rect">
+            <a:avLst/>
+          </a:prstGeom>
+        </p:spPr>
+      </p:pic>
+    </p:spTree>
+    <p:extLst>
+      <p:ext uri="{BB962C8B-B14F-4D97-AF65-F5344CB8AC3E}">
+        <p14:creationId xmlns:p14="http://schemas.microsoft.com/office/powerpoint/2010/main" val="3442054732"/>
+      </p:ext>
+    </p:extLst>
+  </p:cSld>
+  <p:clrMapOvr>
+    <a:masterClrMapping/>
+  </p:clrMapOvr>
+</p:sld>
+</file>
+
+<file path=ppt/slides/slide21.xml><?xml version="1.0" encoding="utf-8"?>
+<p:sld xmlns:a="http://schemas.openxmlformats.org/drawingml/2006/main" xmlns:r="http://schemas.openxmlformats.org/officeDocument/2006/relationships" xmlns:p="http://schemas.openxmlformats.org/presentationml/2006/main">
+  <p:cSld>
+    <p:spTree>
+      <p:nvGrpSpPr>
+        <p:cNvPr id="1" name=""/>
+        <p:cNvGrpSpPr/>
+        <p:nvPr/>
+      </p:nvGrpSpPr>
+      <p:grpSpPr>
+        <a:xfrm>
+          <a:off x="0" y="0"/>
+          <a:ext cx="0" cy="0"/>
+          <a:chOff x="0" y="0"/>
+          <a:chExt cx="0" cy="0"/>
+        </a:xfrm>
+      </p:grpSpPr>
+      <p:sp>
+        <p:nvSpPr>
+          <p:cNvPr id="2" name="Title 1">
+            <a:extLst>
+              <a:ext uri="{FF2B5EF4-FFF2-40B4-BE49-F238E27FC236}">
+                <a16:creationId xmlns:a16="http://schemas.microsoft.com/office/drawing/2014/main" id="{453EF76E-AFB7-49E9-A2EC-2269A6BDA7A1}"/>
+              </a:ext>
+            </a:extLst>
+          </p:cNvPr>
+          <p:cNvSpPr>
+            <a:spLocks noGrp="1"/>
+          </p:cNvSpPr>
+          <p:nvPr>
+            <p:ph type="title"/>
+          </p:nvPr>
+        </p:nvSpPr>
+        <p:spPr/>
+        <p:txBody>
+          <a:bodyPr/>
+          <a:lstStyle/>
+          <a:p>
+            <a:r>
+              <a:rPr lang="en-US" dirty="0"/>
+              <a:t>Pass information from </a:t>
+            </a:r>
+            <a:r>
+              <a:rPr lang="en-US" dirty="0" err="1"/>
+              <a:t>pageA</a:t>
+            </a:r>
+            <a:r>
+              <a:rPr lang="en-US" dirty="0"/>
+              <a:t> to </a:t>
+            </a:r>
+            <a:r>
+              <a:rPr lang="en-US" dirty="0" err="1"/>
+              <a:t>pageB</a:t>
+            </a:r>
+            <a:r>
+              <a:rPr lang="en-US" dirty="0"/>
+              <a:t> </a:t>
+            </a:r>
+          </a:p>
+        </p:txBody>
+      </p:sp>
+      <p:pic>
+        <p:nvPicPr>
+          <p:cNvPr id="5" name="Content Placeholder 4">
+            <a:extLst>
+              <a:ext uri="{FF2B5EF4-FFF2-40B4-BE49-F238E27FC236}">
+                <a16:creationId xmlns:a16="http://schemas.microsoft.com/office/drawing/2014/main" id="{F060A99F-B552-41F7-9146-23F2BD098124}"/>
+              </a:ext>
+            </a:extLst>
+          </p:cNvPr>
+          <p:cNvPicPr>
+            <a:picLocks noGrp="1" noChangeAspect="1"/>
+          </p:cNvPicPr>
+          <p:nvPr>
+            <p:ph idx="1"/>
+          </p:nvPr>
+        </p:nvPicPr>
+        <p:blipFill>
+          <a:blip r:embed="rId2"/>
+          <a:stretch>
+            <a:fillRect/>
+          </a:stretch>
+        </p:blipFill>
+        <p:spPr>
+          <a:xfrm>
+            <a:off x="1210273" y="1871806"/>
+            <a:ext cx="4700999" cy="4520385"/>
+          </a:xfrm>
+        </p:spPr>
+      </p:pic>
+      <p:cxnSp>
+        <p:nvCxnSpPr>
+          <p:cNvPr id="7" name="Straight Arrow Connector 6">
+            <a:extLst>
+              <a:ext uri="{FF2B5EF4-FFF2-40B4-BE49-F238E27FC236}">
+                <a16:creationId xmlns:a16="http://schemas.microsoft.com/office/drawing/2014/main" id="{11DB1CE1-2D38-40A6-BA57-1CE8E7582DD5}"/>
+              </a:ext>
+            </a:extLst>
+          </p:cNvPr>
+          <p:cNvCxnSpPr/>
+          <p:nvPr/>
+        </p:nvCxnSpPr>
+        <p:spPr>
+          <a:xfrm>
+            <a:off x="2549236" y="1976582"/>
+            <a:ext cx="4516582" cy="230909"/>
+          </a:xfrm>
+          <a:prstGeom prst="straightConnector1">
+            <a:avLst/>
+          </a:prstGeom>
+          <a:ln>
+            <a:tailEnd type="triangle"/>
+          </a:ln>
+        </p:spPr>
+        <p:style>
+          <a:lnRef idx="1">
+            <a:schemeClr val="accent1"/>
+          </a:lnRef>
+          <a:fillRef idx="0">
+            <a:schemeClr val="accent1"/>
+          </a:fillRef>
+          <a:effectRef idx="0">
+            <a:schemeClr val="accent1"/>
+          </a:effectRef>
+          <a:fontRef idx="minor">
+            <a:schemeClr val="tx1"/>
+          </a:fontRef>
+        </p:style>
+      </p:cxnSp>
+      <p:sp>
+        <p:nvSpPr>
+          <p:cNvPr id="8" name="TextBox 7">
+            <a:extLst>
+              <a:ext uri="{FF2B5EF4-FFF2-40B4-BE49-F238E27FC236}">
+                <a16:creationId xmlns:a16="http://schemas.microsoft.com/office/drawing/2014/main" id="{798EE6DB-3D50-443B-AB15-4D8ED523599F}"/>
+              </a:ext>
+            </a:extLst>
+          </p:cNvPr>
+          <p:cNvSpPr txBox="1"/>
+          <p:nvPr/>
+        </p:nvSpPr>
+        <p:spPr>
+          <a:xfrm>
+            <a:off x="7121236" y="2050473"/>
+            <a:ext cx="3435928" cy="369332"/>
+          </a:xfrm>
+          <a:prstGeom prst="rect">
+            <a:avLst/>
+          </a:prstGeom>
+          <a:noFill/>
+        </p:spPr>
+        <p:txBody>
+          <a:bodyPr wrap="square" rtlCol="0">
+            <a:spAutoFit/>
+          </a:bodyPr>
+          <a:lstStyle/>
+          <a:p>
+            <a:r>
+              <a:rPr lang="en-US" dirty="0"/>
+              <a:t>Parent class (MainActivity.java)</a:t>
+            </a:r>
+          </a:p>
+        </p:txBody>
+      </p:sp>
+    </p:spTree>
+    <p:extLst>
+      <p:ext uri="{BB962C8B-B14F-4D97-AF65-F5344CB8AC3E}">
+        <p14:creationId xmlns:p14="http://schemas.microsoft.com/office/powerpoint/2010/main" val="3137720365"/>
+      </p:ext>
+    </p:extLst>
+  </p:cSld>
+  <p:clrMapOvr>
+    <a:masterClrMapping/>
+  </p:clrMapOvr>
+</p:sld>
+</file>
+
+<file path=ppt/slides/slide22.xml><?xml version="1.0" encoding="utf-8"?>
+<p:sld xmlns:a="http://schemas.openxmlformats.org/drawingml/2006/main" xmlns:r="http://schemas.openxmlformats.org/officeDocument/2006/relationships" xmlns:p="http://schemas.openxmlformats.org/presentationml/2006/main">
+  <p:cSld>
+    <p:spTree>
+      <p:nvGrpSpPr>
+        <p:cNvPr id="1" name=""/>
+        <p:cNvGrpSpPr/>
+        <p:nvPr/>
+      </p:nvGrpSpPr>
+      <p:grpSpPr>
+        <a:xfrm>
+          <a:off x="0" y="0"/>
+          <a:ext cx="0" cy="0"/>
+          <a:chOff x="0" y="0"/>
+          <a:chExt cx="0" cy="0"/>
+        </a:xfrm>
+      </p:grpSpPr>
+      <p:sp>
+        <p:nvSpPr>
+          <p:cNvPr id="2" name="Title 1">
+            <a:extLst>
+              <a:ext uri="{FF2B5EF4-FFF2-40B4-BE49-F238E27FC236}">
+                <a16:creationId xmlns:a16="http://schemas.microsoft.com/office/drawing/2014/main" id="{5F389E1F-723C-4566-A59D-1681FB3FB1D9}"/>
+              </a:ext>
+            </a:extLst>
+          </p:cNvPr>
+          <p:cNvSpPr>
+            <a:spLocks noGrp="1"/>
+          </p:cNvSpPr>
+          <p:nvPr>
+            <p:ph type="title"/>
+          </p:nvPr>
+        </p:nvSpPr>
+        <p:spPr/>
+        <p:txBody>
+          <a:bodyPr/>
+          <a:lstStyle/>
+          <a:p>
+            <a:r>
+              <a:rPr lang="en-US" dirty="0"/>
+              <a:t>Child (settingactivity.java)</a:t>
+            </a:r>
+          </a:p>
+        </p:txBody>
+      </p:sp>
+      <p:pic>
+        <p:nvPicPr>
+          <p:cNvPr id="5" name="Content Placeholder 4">
+            <a:extLst>
+              <a:ext uri="{FF2B5EF4-FFF2-40B4-BE49-F238E27FC236}">
+                <a16:creationId xmlns:a16="http://schemas.microsoft.com/office/drawing/2014/main" id="{18E69DB4-A5AD-4A2C-B872-1B7CF5D0550F}"/>
+              </a:ext>
+            </a:extLst>
+          </p:cNvPr>
+          <p:cNvPicPr>
+            <a:picLocks noGrp="1" noChangeAspect="1"/>
+          </p:cNvPicPr>
+          <p:nvPr>
+            <p:ph idx="1"/>
+          </p:nvPr>
+        </p:nvPicPr>
+        <p:blipFill>
+          <a:blip r:embed="rId2"/>
+          <a:stretch>
+            <a:fillRect/>
+          </a:stretch>
+        </p:blipFill>
+        <p:spPr>
+          <a:xfrm>
+            <a:off x="981894" y="1908752"/>
+            <a:ext cx="5443775" cy="4351338"/>
+          </a:xfrm>
+        </p:spPr>
+      </p:pic>
+    </p:spTree>
+    <p:extLst>
+      <p:ext uri="{BB962C8B-B14F-4D97-AF65-F5344CB8AC3E}">
+        <p14:creationId xmlns:p14="http://schemas.microsoft.com/office/powerpoint/2010/main" val="1009627194"/>
+      </p:ext>
+    </p:extLst>
+  </p:cSld>
+  <p:clrMapOvr>
+    <a:masterClrMapping/>
+  </p:clrMapOvr>
+</p:sld>
+</file>
+
+<file path=ppt/slides/slide23.xml><?xml version="1.0" encoding="utf-8"?>
+<p:sld xmlns:a="http://schemas.openxmlformats.org/drawingml/2006/main" xmlns:r="http://schemas.openxmlformats.org/officeDocument/2006/relationships" xmlns:p="http://schemas.openxmlformats.org/presentationml/2006/main">
+  <p:cSld>
+    <p:spTree>
+      <p:nvGrpSpPr>
+        <p:cNvPr id="1" name=""/>
+        <p:cNvGrpSpPr/>
+        <p:nvPr/>
+      </p:nvGrpSpPr>
+      <p:grpSpPr>
+        <a:xfrm>
+          <a:off x="0" y="0"/>
+          <a:ext cx="0" cy="0"/>
+          <a:chOff x="0" y="0"/>
+          <a:chExt cx="0" cy="0"/>
+        </a:xfrm>
+      </p:grpSpPr>
+      <p:sp>
+        <p:nvSpPr>
+          <p:cNvPr id="2" name="Title 1">
+            <a:extLst>
+              <a:ext uri="{FF2B5EF4-FFF2-40B4-BE49-F238E27FC236}">
+                <a16:creationId xmlns:a16="http://schemas.microsoft.com/office/drawing/2014/main" id="{A633CF75-4599-4249-BB03-35CA2C81C5D4}"/>
+              </a:ext>
+            </a:extLst>
+          </p:cNvPr>
+          <p:cNvSpPr>
+            <a:spLocks noGrp="1"/>
+          </p:cNvSpPr>
+          <p:nvPr>
+            <p:ph type="title"/>
+          </p:nvPr>
+        </p:nvSpPr>
+        <p:spPr/>
+        <p:txBody>
+          <a:bodyPr/>
+          <a:lstStyle/>
+          <a:p>
+            <a:r>
+              <a:rPr lang="en-US" dirty="0"/>
+              <a:t>Result</a:t>
+            </a:r>
+          </a:p>
+        </p:txBody>
+      </p:sp>
+      <p:pic>
+        <p:nvPicPr>
+          <p:cNvPr id="5" name="Content Placeholder 4">
+            <a:extLst>
+              <a:ext uri="{FF2B5EF4-FFF2-40B4-BE49-F238E27FC236}">
+                <a16:creationId xmlns:a16="http://schemas.microsoft.com/office/drawing/2014/main" id="{321C756E-34B5-43BE-962B-E3945238405A}"/>
+              </a:ext>
+            </a:extLst>
+          </p:cNvPr>
+          <p:cNvPicPr>
+            <a:picLocks noGrp="1" noChangeAspect="1"/>
+          </p:cNvPicPr>
+          <p:nvPr>
+            <p:ph idx="1"/>
+          </p:nvPr>
+        </p:nvPicPr>
+        <p:blipFill>
+          <a:blip r:embed="rId2"/>
+          <a:stretch>
+            <a:fillRect/>
+          </a:stretch>
+        </p:blipFill>
+        <p:spPr>
+          <a:xfrm>
+            <a:off x="1648487" y="2019589"/>
+            <a:ext cx="2060117" cy="4351338"/>
+          </a:xfrm>
+        </p:spPr>
+      </p:pic>
+      <p:cxnSp>
+        <p:nvCxnSpPr>
+          <p:cNvPr id="7" name="Straight Arrow Connector 6">
+            <a:extLst>
+              <a:ext uri="{FF2B5EF4-FFF2-40B4-BE49-F238E27FC236}">
+                <a16:creationId xmlns:a16="http://schemas.microsoft.com/office/drawing/2014/main" id="{3FBA8824-BFD6-4C42-AEB5-8D37B888093C}"/>
+              </a:ext>
+            </a:extLst>
+          </p:cNvPr>
+          <p:cNvCxnSpPr/>
+          <p:nvPr/>
+        </p:nvCxnSpPr>
+        <p:spPr>
+          <a:xfrm>
+            <a:off x="3708604" y="3786909"/>
+            <a:ext cx="2535178" cy="0"/>
+          </a:xfrm>
+          <a:prstGeom prst="straightConnector1">
+            <a:avLst/>
+          </a:prstGeom>
+          <a:ln>
+            <a:tailEnd type="triangle"/>
+          </a:ln>
+        </p:spPr>
+        <p:style>
+          <a:lnRef idx="1">
+            <a:schemeClr val="accent1"/>
+          </a:lnRef>
+          <a:fillRef idx="0">
+            <a:schemeClr val="accent1"/>
+          </a:fillRef>
+          <a:effectRef idx="0">
+            <a:schemeClr val="accent1"/>
+          </a:effectRef>
+          <a:fontRef idx="minor">
+            <a:schemeClr val="tx1"/>
+          </a:fontRef>
+        </p:style>
+      </p:cxnSp>
+      <p:pic>
+        <p:nvPicPr>
+          <p:cNvPr id="9" name="Picture 8">
+            <a:extLst>
+              <a:ext uri="{FF2B5EF4-FFF2-40B4-BE49-F238E27FC236}">
+                <a16:creationId xmlns:a16="http://schemas.microsoft.com/office/drawing/2014/main" id="{3FD56BA4-383B-4B1A-8F55-B13D1F974F4E}"/>
+              </a:ext>
+            </a:extLst>
+          </p:cNvPr>
+          <p:cNvPicPr>
+            <a:picLocks noChangeAspect="1"/>
+          </p:cNvPicPr>
+          <p:nvPr/>
+        </p:nvPicPr>
+        <p:blipFill>
+          <a:blip r:embed="rId3"/>
+          <a:stretch>
+            <a:fillRect/>
+          </a:stretch>
+        </p:blipFill>
+        <p:spPr>
+          <a:xfrm>
+            <a:off x="6423280" y="1930673"/>
+            <a:ext cx="2060118" cy="4440255"/>
+          </a:xfrm>
+          <a:prstGeom prst="rect">
+            <a:avLst/>
+          </a:prstGeom>
+        </p:spPr>
+      </p:pic>
+    </p:spTree>
+    <p:extLst>
+      <p:ext uri="{BB962C8B-B14F-4D97-AF65-F5344CB8AC3E}">
+        <p14:creationId xmlns:p14="http://schemas.microsoft.com/office/powerpoint/2010/main" val="4093134592"/>
+      </p:ext>
+    </p:extLst>
+  </p:cSld>
+  <p:clrMapOvr>
+    <a:masterClrMapping/>
+  </p:clrMapOvr>
+</p:sld>
+</file>
+
+<file path=ppt/slides/slide24.xml><?xml version="1.0" encoding="utf-8"?>
+<p:sld xmlns:a="http://schemas.openxmlformats.org/drawingml/2006/main" xmlns:r="http://schemas.openxmlformats.org/officeDocument/2006/relationships" xmlns:p="http://schemas.openxmlformats.org/presentationml/2006/main">
+  <p:cSld>
+    <p:spTree>
+      <p:nvGrpSpPr>
+        <p:cNvPr id="1" name=""/>
+        <p:cNvGrpSpPr/>
+        <p:nvPr/>
+      </p:nvGrpSpPr>
+      <p:grpSpPr>
+        <a:xfrm>
+          <a:off x="0" y="0"/>
+          <a:ext cx="0" cy="0"/>
+          <a:chOff x="0" y="0"/>
+          <a:chExt cx="0" cy="0"/>
+        </a:xfrm>
+      </p:grpSpPr>
+      <p:sp>
+        <p:nvSpPr>
+          <p:cNvPr id="2" name="Title 1">
+            <a:extLst>
+              <a:ext uri="{FF2B5EF4-FFF2-40B4-BE49-F238E27FC236}">
+                <a16:creationId xmlns:a16="http://schemas.microsoft.com/office/drawing/2014/main" id="{CE4062AE-D9EB-4935-A271-C13D5B65F611}"/>
+              </a:ext>
+            </a:extLst>
+          </p:cNvPr>
+          <p:cNvSpPr>
+            <a:spLocks noGrp="1"/>
+          </p:cNvSpPr>
+          <p:nvPr>
+            <p:ph type="title"/>
+          </p:nvPr>
+        </p:nvSpPr>
+        <p:spPr/>
+        <p:txBody>
+          <a:bodyPr/>
+          <a:lstStyle/>
+          <a:p>
+            <a:r>
+              <a:rPr lang="en-US" dirty="0"/>
+              <a:t>How to change app name</a:t>
+            </a:r>
+          </a:p>
+        </p:txBody>
+      </p:sp>
+      <p:pic>
+        <p:nvPicPr>
+          <p:cNvPr id="5" name="Content Placeholder 4">
+            <a:extLst>
+              <a:ext uri="{FF2B5EF4-FFF2-40B4-BE49-F238E27FC236}">
+                <a16:creationId xmlns:a16="http://schemas.microsoft.com/office/drawing/2014/main" id="{96DA7FB2-C99C-4164-BFA0-13685F475154}"/>
+              </a:ext>
+            </a:extLst>
+          </p:cNvPr>
+          <p:cNvPicPr>
+            <a:picLocks noGrp="1" noChangeAspect="1"/>
+          </p:cNvPicPr>
+          <p:nvPr>
+            <p:ph idx="1"/>
+          </p:nvPr>
+        </p:nvPicPr>
+        <p:blipFill>
+          <a:blip r:embed="rId2"/>
+          <a:stretch>
+            <a:fillRect/>
+          </a:stretch>
+        </p:blipFill>
+        <p:spPr>
+          <a:xfrm>
+            <a:off x="932877" y="1690688"/>
+            <a:ext cx="9246593" cy="4351338"/>
+          </a:xfrm>
+        </p:spPr>
+      </p:pic>
+    </p:spTree>
+    <p:extLst>
+      <p:ext uri="{BB962C8B-B14F-4D97-AF65-F5344CB8AC3E}">
+        <p14:creationId xmlns:p14="http://schemas.microsoft.com/office/powerpoint/2010/main" val="1593526138"/>
+      </p:ext>
+    </p:extLst>
+  </p:cSld>
+  <p:clrMapOvr>
+    <a:masterClrMapping/>
+  </p:clrMapOvr>
+</p:sld>
+</file>
+
+<file path=ppt/slides/slide25.xml><?xml version="1.0" encoding="utf-8"?>
+<p:sld xmlns:a="http://schemas.openxmlformats.org/drawingml/2006/main" xmlns:r="http://schemas.openxmlformats.org/officeDocument/2006/relationships" xmlns:p="http://schemas.openxmlformats.org/presentationml/2006/main">
+  <p:cSld>
+    <p:spTree>
+      <p:nvGrpSpPr>
+        <p:cNvPr id="1" name=""/>
+        <p:cNvGrpSpPr/>
+        <p:nvPr/>
+      </p:nvGrpSpPr>
+      <p:grpSpPr>
+        <a:xfrm>
+          <a:off x="0" y="0"/>
+          <a:ext cx="0" cy="0"/>
+          <a:chOff x="0" y="0"/>
+          <a:chExt cx="0" cy="0"/>
+        </a:xfrm>
+      </p:grpSpPr>
+      <p:sp>
+        <p:nvSpPr>
+          <p:cNvPr id="2" name="Title 1">
+            <a:extLst>
+              <a:ext uri="{FF2B5EF4-FFF2-40B4-BE49-F238E27FC236}">
+                <a16:creationId xmlns:a16="http://schemas.microsoft.com/office/drawing/2014/main" id="{102E5448-2610-4FFD-ACB5-88C327F6AE19}"/>
+              </a:ext>
+            </a:extLst>
+          </p:cNvPr>
+          <p:cNvSpPr>
+            <a:spLocks noGrp="1"/>
+          </p:cNvSpPr>
+          <p:nvPr>
+            <p:ph type="title"/>
+          </p:nvPr>
+        </p:nvSpPr>
+        <p:spPr/>
+        <p:txBody>
+          <a:bodyPr/>
+          <a:lstStyle/>
+          <a:p>
+            <a:r>
+              <a:rPr lang="en-US" dirty="0"/>
+              <a:t>Results</a:t>
+            </a:r>
+          </a:p>
+        </p:txBody>
+      </p:sp>
+      <p:pic>
+        <p:nvPicPr>
+          <p:cNvPr id="5" name="Content Placeholder 4">
+            <a:extLst>
+              <a:ext uri="{FF2B5EF4-FFF2-40B4-BE49-F238E27FC236}">
+                <a16:creationId xmlns:a16="http://schemas.microsoft.com/office/drawing/2014/main" id="{6087C0CB-4226-4EA7-BC87-3A6FC9D9AA73}"/>
+              </a:ext>
+            </a:extLst>
+          </p:cNvPr>
+          <p:cNvPicPr>
+            <a:picLocks noGrp="1" noChangeAspect="1"/>
+          </p:cNvPicPr>
+          <p:nvPr>
+            <p:ph idx="1"/>
+          </p:nvPr>
+        </p:nvPicPr>
+        <p:blipFill>
+          <a:blip r:embed="rId2"/>
+          <a:stretch>
+            <a:fillRect/>
+          </a:stretch>
+        </p:blipFill>
+        <p:spPr>
+          <a:xfrm>
+            <a:off x="1294279" y="1594271"/>
+            <a:ext cx="2530611" cy="4351338"/>
+          </a:xfrm>
+        </p:spPr>
+      </p:pic>
+    </p:spTree>
+    <p:extLst>
+      <p:ext uri="{BB962C8B-B14F-4D97-AF65-F5344CB8AC3E}">
+        <p14:creationId xmlns:p14="http://schemas.microsoft.com/office/powerpoint/2010/main" val="3562103115"/>
+      </p:ext>
+    </p:extLst>
+  </p:cSld>
+  <p:clrMapOvr>
+    <a:masterClrMapping/>
+  </p:clrMapOvr>
+</p:sld>
+</file>
+
+<file path=ppt/slides/slide26.xml><?xml version="1.0" encoding="utf-8"?>
+<p:sld xmlns:a="http://schemas.openxmlformats.org/drawingml/2006/main" xmlns:r="http://schemas.openxmlformats.org/officeDocument/2006/relationships" xmlns:p="http://schemas.openxmlformats.org/presentationml/2006/main">
+  <p:cSld>
+    <p:spTree>
+      <p:nvGrpSpPr>
+        <p:cNvPr id="1" name=""/>
+        <p:cNvGrpSpPr/>
+        <p:nvPr/>
+      </p:nvGrpSpPr>
+      <p:grpSpPr>
+        <a:xfrm>
+          <a:off x="0" y="0"/>
+          <a:ext cx="0" cy="0"/>
+          <a:chOff x="0" y="0"/>
+          <a:chExt cx="0" cy="0"/>
+        </a:xfrm>
+      </p:grpSpPr>
+      <p:sp>
+        <p:nvSpPr>
+          <p:cNvPr id="2" name="Title 1">
+            <a:extLst>
+              <a:ext uri="{FF2B5EF4-FFF2-40B4-BE49-F238E27FC236}">
+                <a16:creationId xmlns:a16="http://schemas.microsoft.com/office/drawing/2014/main" id="{E98F5AEB-F1AD-4820-940D-52A6BB23E2DB}"/>
+              </a:ext>
+            </a:extLst>
+          </p:cNvPr>
+          <p:cNvSpPr>
+            <a:spLocks noGrp="1"/>
+          </p:cNvSpPr>
+          <p:nvPr>
+            <p:ph type="title"/>
+          </p:nvPr>
+        </p:nvSpPr>
+        <p:spPr/>
+        <p:txBody>
+          <a:bodyPr/>
+          <a:lstStyle/>
+          <a:p>
+            <a:r>
+              <a:rPr lang="en-US" dirty="0"/>
+              <a:t>How to change individual page name</a:t>
+            </a:r>
+          </a:p>
+        </p:txBody>
+      </p:sp>
+      <p:pic>
+        <p:nvPicPr>
+          <p:cNvPr id="5" name="Content Placeholder 4">
+            <a:extLst>
+              <a:ext uri="{FF2B5EF4-FFF2-40B4-BE49-F238E27FC236}">
+                <a16:creationId xmlns:a16="http://schemas.microsoft.com/office/drawing/2014/main" id="{652D4926-D7C9-4983-B866-51BF076D7104}"/>
+              </a:ext>
+            </a:extLst>
+          </p:cNvPr>
+          <p:cNvPicPr>
+            <a:picLocks noGrp="1" noChangeAspect="1"/>
+          </p:cNvPicPr>
+          <p:nvPr>
+            <p:ph idx="1"/>
+          </p:nvPr>
+        </p:nvPicPr>
+        <p:blipFill>
+          <a:blip r:embed="rId2"/>
+          <a:stretch>
+            <a:fillRect/>
+          </a:stretch>
+        </p:blipFill>
+        <p:spPr>
+          <a:xfrm>
+            <a:off x="1109955" y="1690688"/>
+            <a:ext cx="5411106" cy="4351338"/>
+          </a:xfrm>
+        </p:spPr>
+      </p:pic>
+    </p:spTree>
+    <p:extLst>
+      <p:ext uri="{BB962C8B-B14F-4D97-AF65-F5344CB8AC3E}">
+        <p14:creationId xmlns:p14="http://schemas.microsoft.com/office/powerpoint/2010/main" val="2879636892"/>
+      </p:ext>
+    </p:extLst>
+  </p:cSld>
+  <p:clrMapOvr>
+    <a:masterClrMapping/>
+  </p:clrMapOvr>
+</p:sld>
+</file>
+
+<file path=ppt/slides/slide3.xml><?xml version="1.0" encoding="utf-8"?>
+<p:sld xmlns:a="http://schemas.openxmlformats.org/drawingml/2006/main" xmlns:r="http://schemas.openxmlformats.org/officeDocument/2006/relationships" xmlns:p="http://schemas.openxmlformats.org/presentationml/2006/main">
+  <p:cSld>
+    <p:spTree>
+      <p:nvGrpSpPr>
+        <p:cNvPr id="1" name=""/>
+        <p:cNvGrpSpPr/>
+        <p:nvPr/>
+      </p:nvGrpSpPr>
+      <p:grpSpPr>
+        <a:xfrm>
+          <a:off x="0" y="0"/>
+          <a:ext cx="0" cy="0"/>
+          <a:chOff x="0" y="0"/>
+          <a:chExt cx="0" cy="0"/>
+        </a:xfrm>
+      </p:grpSpPr>
+      <p:sp>
+        <p:nvSpPr>
+          <p:cNvPr id="2" name="Title 1">
+            <a:extLst>
+              <a:ext uri="{FF2B5EF4-FFF2-40B4-BE49-F238E27FC236}">
+                <a16:creationId xmlns:a16="http://schemas.microsoft.com/office/drawing/2014/main" id="{D8556154-8594-4AC8-B7ED-BD6F0899486E}"/>
+              </a:ext>
+            </a:extLst>
+          </p:cNvPr>
+          <p:cNvSpPr>
+            <a:spLocks noGrp="1"/>
+          </p:cNvSpPr>
+          <p:nvPr>
+            <p:ph type="title"/>
+          </p:nvPr>
+        </p:nvSpPr>
+        <p:spPr/>
+        <p:txBody>
+          <a:bodyPr/>
+          <a:lstStyle/>
+          <a:p>
+            <a:r>
+              <a:rPr lang="en-US" dirty="0"/>
+              <a:t>Click “No devices” -&gt; “Open AVD Manager”</a:t>
+            </a:r>
+          </a:p>
+        </p:txBody>
+      </p:sp>
+      <p:pic>
+        <p:nvPicPr>
+          <p:cNvPr id="5" name="Content Placeholder 4">
+            <a:extLst>
+              <a:ext uri="{FF2B5EF4-FFF2-40B4-BE49-F238E27FC236}">
+                <a16:creationId xmlns:a16="http://schemas.microsoft.com/office/drawing/2014/main" id="{C0D87BDE-CCAE-48F3-85A4-FF3B936B2A7E}"/>
+              </a:ext>
+            </a:extLst>
+          </p:cNvPr>
+          <p:cNvPicPr>
+            <a:picLocks noGrp="1" noChangeAspect="1"/>
+          </p:cNvPicPr>
+          <p:nvPr>
+            <p:ph idx="1"/>
+          </p:nvPr>
+        </p:nvPicPr>
+        <p:blipFill>
+          <a:blip r:embed="rId2"/>
+          <a:stretch>
+            <a:fillRect/>
+          </a:stretch>
+        </p:blipFill>
+        <p:spPr>
+          <a:xfrm>
+            <a:off x="1065438" y="1548535"/>
+            <a:ext cx="8195377" cy="4351338"/>
+          </a:xfrm>
+        </p:spPr>
+      </p:pic>
+    </p:spTree>
+    <p:extLst>
+      <p:ext uri="{BB962C8B-B14F-4D97-AF65-F5344CB8AC3E}">
+        <p14:creationId xmlns:p14="http://schemas.microsoft.com/office/powerpoint/2010/main" val="2720913869"/>
+      </p:ext>
+    </p:extLst>
+  </p:cSld>
+  <p:clrMapOvr>
+    <a:masterClrMapping/>
+  </p:clrMapOvr>
+</p:sld>
+</file>
+
+<file path=ppt/slides/slide4.xml><?xml version="1.0" encoding="utf-8"?>
+<p:sld xmlns:a="http://schemas.openxmlformats.org/drawingml/2006/main" xmlns:r="http://schemas.openxmlformats.org/officeDocument/2006/relationships" xmlns:p="http://schemas.openxmlformats.org/presentationml/2006/main">
+  <p:cSld>
+    <p:spTree>
+      <p:nvGrpSpPr>
+        <p:cNvPr id="1" name=""/>
+        <p:cNvGrpSpPr/>
+        <p:nvPr/>
+      </p:nvGrpSpPr>
+      <p:grpSpPr>
+        <a:xfrm>
+          <a:off x="0" y="0"/>
+          <a:ext cx="0" cy="0"/>
+          <a:chOff x="0" y="0"/>
+          <a:chExt cx="0" cy="0"/>
+        </a:xfrm>
+      </p:grpSpPr>
+      <p:sp>
+        <p:nvSpPr>
+          <p:cNvPr id="2" name="Title 1">
+            <a:extLst>
+              <a:ext uri="{FF2B5EF4-FFF2-40B4-BE49-F238E27FC236}">
+                <a16:creationId xmlns:a16="http://schemas.microsoft.com/office/drawing/2014/main" id="{561C017B-F3D4-4065-958D-3F3478C32A82}"/>
+              </a:ext>
+            </a:extLst>
+          </p:cNvPr>
+          <p:cNvSpPr>
+            <a:spLocks noGrp="1"/>
+          </p:cNvSpPr>
+          <p:nvPr>
+            <p:ph type="title"/>
+          </p:nvPr>
+        </p:nvSpPr>
+        <p:spPr/>
+        <p:txBody>
+          <a:bodyPr/>
+          <a:lstStyle/>
+          <a:p>
+            <a:r>
+              <a:rPr lang="en-US" dirty="0"/>
+              <a:t>Give every object a meaningful name</a:t>
+            </a:r>
+          </a:p>
+        </p:txBody>
+      </p:sp>
+      <p:pic>
+        <p:nvPicPr>
+          <p:cNvPr id="5" name="Content Placeholder 4">
+            <a:extLst>
+              <a:ext uri="{FF2B5EF4-FFF2-40B4-BE49-F238E27FC236}">
+                <a16:creationId xmlns:a16="http://schemas.microsoft.com/office/drawing/2014/main" id="{FAB9F56B-3047-45D3-823E-6EC8AD60B4A1}"/>
+              </a:ext>
+            </a:extLst>
+          </p:cNvPr>
+          <p:cNvPicPr>
+            <a:picLocks noGrp="1" noChangeAspect="1"/>
+          </p:cNvPicPr>
+          <p:nvPr>
+            <p:ph idx="1"/>
+          </p:nvPr>
+        </p:nvPicPr>
+        <p:blipFill>
+          <a:blip r:embed="rId2"/>
+          <a:stretch>
+            <a:fillRect/>
+          </a:stretch>
+        </p:blipFill>
+        <p:spPr>
+          <a:xfrm>
+            <a:off x="1607371" y="1844098"/>
+            <a:ext cx="6077039" cy="4351338"/>
+          </a:xfrm>
+        </p:spPr>
+      </p:pic>
+      <p:sp>
+        <p:nvSpPr>
+          <p:cNvPr id="6" name="TextBox 5">
+            <a:extLst>
+              <a:ext uri="{FF2B5EF4-FFF2-40B4-BE49-F238E27FC236}">
+                <a16:creationId xmlns:a16="http://schemas.microsoft.com/office/drawing/2014/main" id="{3E881497-C7C7-49ED-BFF2-24BCAE3802AF}"/>
+              </a:ext>
+            </a:extLst>
+          </p:cNvPr>
+          <p:cNvSpPr txBox="1"/>
+          <p:nvPr/>
+        </p:nvSpPr>
+        <p:spPr>
+          <a:xfrm>
+            <a:off x="8117633" y="2164702"/>
+            <a:ext cx="2901820" cy="1200329"/>
+          </a:xfrm>
+          <a:prstGeom prst="rect">
+            <a:avLst/>
+          </a:prstGeom>
+          <a:noFill/>
+        </p:spPr>
+        <p:txBody>
+          <a:bodyPr wrap="square" rtlCol="0">
+            <a:spAutoFit/>
+          </a:bodyPr>
+          <a:lstStyle/>
+          <a:p>
+            <a:r>
+              <a:rPr lang="en-US" dirty="0"/>
+              <a:t>E.g. “Hello”</a:t>
+            </a:r>
+          </a:p>
+          <a:p>
+            <a:endParaRPr lang="en-US" dirty="0"/>
+          </a:p>
+          <a:p>
+            <a:r>
+              <a:rPr lang="en-US" dirty="0"/>
+              <a:t>So that we can refer to this name in our script</a:t>
+            </a:r>
+          </a:p>
+        </p:txBody>
+      </p:sp>
+    </p:spTree>
+    <p:extLst>
+      <p:ext uri="{BB962C8B-B14F-4D97-AF65-F5344CB8AC3E}">
+        <p14:creationId xmlns:p14="http://schemas.microsoft.com/office/powerpoint/2010/main" val="898776915"/>
+      </p:ext>
+    </p:extLst>
+  </p:cSld>
+  <p:clrMapOvr>
+    <a:masterClrMapping/>
+  </p:clrMapOvr>
+</p:sld>
+</file>
+
+<file path=ppt/slides/slide5.xml><?xml version="1.0" encoding="utf-8"?>
+<p:sld xmlns:a="http://schemas.openxmlformats.org/drawingml/2006/main" xmlns:r="http://schemas.openxmlformats.org/officeDocument/2006/relationships" xmlns:p="http://schemas.openxmlformats.org/presentationml/2006/main">
+  <p:cSld>
+    <p:spTree>
+      <p:nvGrpSpPr>
+        <p:cNvPr id="1" name=""/>
+        <p:cNvGrpSpPr/>
+        <p:nvPr/>
+      </p:nvGrpSpPr>
+      <p:grpSpPr>
+        <a:xfrm>
+          <a:off x="0" y="0"/>
+          <a:ext cx="0" cy="0"/>
+          <a:chOff x="0" y="0"/>
+          <a:chExt cx="0" cy="0"/>
+        </a:xfrm>
+      </p:grpSpPr>
+      <p:sp>
+        <p:nvSpPr>
+          <p:cNvPr id="2" name="Title 1">
+            <a:extLst>
+              <a:ext uri="{FF2B5EF4-FFF2-40B4-BE49-F238E27FC236}">
+                <a16:creationId xmlns:a16="http://schemas.microsoft.com/office/drawing/2014/main" id="{2E76FFEE-F958-415F-A3DB-03B7C5A5D6FA}"/>
+              </a:ext>
+            </a:extLst>
+          </p:cNvPr>
+          <p:cNvSpPr>
+            <a:spLocks noGrp="1"/>
+          </p:cNvSpPr>
+          <p:nvPr>
+            <p:ph type="title"/>
+          </p:nvPr>
+        </p:nvSpPr>
+        <p:spPr/>
+        <p:txBody>
+          <a:bodyPr/>
+          <a:lstStyle/>
+          <a:p>
+            <a:r>
+              <a:rPr lang="en-US" dirty="0"/>
+              <a:t>Disable button when click</a:t>
+            </a:r>
+          </a:p>
+        </p:txBody>
+      </p:sp>
+      <p:sp>
+        <p:nvSpPr>
+          <p:cNvPr id="3" name="Content Placeholder 2">
+            <a:extLst>
+              <a:ext uri="{FF2B5EF4-FFF2-40B4-BE49-F238E27FC236}">
+                <a16:creationId xmlns:a16="http://schemas.microsoft.com/office/drawing/2014/main" id="{16D75EF5-5DA1-463D-87CB-F5B94CEB4F40}"/>
+              </a:ext>
+            </a:extLst>
+          </p:cNvPr>
+          <p:cNvSpPr>
+            <a:spLocks noGrp="1"/>
+          </p:cNvSpPr>
+          <p:nvPr>
+            <p:ph idx="1"/>
+          </p:nvPr>
+        </p:nvSpPr>
+        <p:spPr/>
+        <p:txBody>
+          <a:bodyPr/>
+          <a:lstStyle/>
+          <a:p>
+            <a:r>
+              <a:rPr lang="en-US" dirty="0"/>
+              <a:t>1) Change the button “</a:t>
+            </a:r>
+            <a:r>
+              <a:rPr lang="en-US" dirty="0" err="1"/>
+              <a:t>onClick</a:t>
+            </a:r>
+            <a:r>
+              <a:rPr lang="en-US" dirty="0"/>
+              <a:t>” to a random name e.g. “</a:t>
+            </a:r>
+            <a:r>
+              <a:rPr lang="en-US" dirty="0" err="1"/>
+              <a:t>clicktoDisable</a:t>
+            </a:r>
+            <a:r>
+              <a:rPr lang="en-US" dirty="0"/>
+              <a:t>”</a:t>
+            </a:r>
+          </a:p>
+          <a:p>
+            <a:endParaRPr lang="en-US" dirty="0"/>
+          </a:p>
+          <a:p>
+            <a:endParaRPr lang="en-US" dirty="0"/>
+          </a:p>
+        </p:txBody>
+      </p:sp>
+      <p:pic>
+        <p:nvPicPr>
+          <p:cNvPr id="5" name="Picture 4">
+            <a:extLst>
+              <a:ext uri="{FF2B5EF4-FFF2-40B4-BE49-F238E27FC236}">
+                <a16:creationId xmlns:a16="http://schemas.microsoft.com/office/drawing/2014/main" id="{F636BF34-CD8B-4467-84A7-C4A397AA8303}"/>
+              </a:ext>
+            </a:extLst>
+          </p:cNvPr>
+          <p:cNvPicPr>
+            <a:picLocks noChangeAspect="1"/>
+          </p:cNvPicPr>
+          <p:nvPr/>
+        </p:nvPicPr>
+        <p:blipFill>
+          <a:blip r:embed="rId2"/>
+          <a:stretch>
+            <a:fillRect/>
+          </a:stretch>
+        </p:blipFill>
+        <p:spPr>
+          <a:xfrm>
+            <a:off x="3447591" y="3030527"/>
+            <a:ext cx="7597966" cy="3675130"/>
+          </a:xfrm>
+          <a:prstGeom prst="rect">
+            <a:avLst/>
+          </a:prstGeom>
+        </p:spPr>
+      </p:pic>
+    </p:spTree>
+    <p:extLst>
+      <p:ext uri="{BB962C8B-B14F-4D97-AF65-F5344CB8AC3E}">
+        <p14:creationId xmlns:p14="http://schemas.microsoft.com/office/powerpoint/2010/main" val="1966118228"/>
+      </p:ext>
+    </p:extLst>
+  </p:cSld>
+  <p:clrMapOvr>
+    <a:masterClrMapping/>
+  </p:clrMapOvr>
+</p:sld>
+</file>
+
+<file path=ppt/slides/slide6.xml><?xml version="1.0" encoding="utf-8"?>
+<p:sld xmlns:a="http://schemas.openxmlformats.org/drawingml/2006/main" xmlns:r="http://schemas.openxmlformats.org/officeDocument/2006/relationships" xmlns:p="http://schemas.openxmlformats.org/presentationml/2006/main">
+  <p:cSld>
+    <p:spTree>
+      <p:nvGrpSpPr>
+        <p:cNvPr id="1" name=""/>
+        <p:cNvGrpSpPr/>
+        <p:nvPr/>
+      </p:nvGrpSpPr>
+      <p:grpSpPr>
+        <a:xfrm>
+          <a:off x="0" y="0"/>
+          <a:ext cx="0" cy="0"/>
+          <a:chOff x="0" y="0"/>
+          <a:chExt cx="0" cy="0"/>
+        </a:xfrm>
+      </p:grpSpPr>
+      <p:sp>
+        <p:nvSpPr>
+          <p:cNvPr id="2" name="Title 1">
+            <a:extLst>
+              <a:ext uri="{FF2B5EF4-FFF2-40B4-BE49-F238E27FC236}">
+                <a16:creationId xmlns:a16="http://schemas.microsoft.com/office/drawing/2014/main" id="{D318D857-58ED-431D-B8BC-928FEE2D50FE}"/>
+              </a:ext>
+            </a:extLst>
+          </p:cNvPr>
+          <p:cNvSpPr>
+            <a:spLocks noGrp="1"/>
+          </p:cNvSpPr>
+          <p:nvPr>
+            <p:ph type="title"/>
+          </p:nvPr>
+        </p:nvSpPr>
+        <p:spPr/>
+        <p:txBody>
+          <a:bodyPr/>
+          <a:lstStyle/>
+          <a:p>
+            <a:r>
+              <a:rPr lang="en-US" dirty="0" err="1"/>
+              <a:t>Cont</a:t>
+            </a:r>
+            <a:r>
+              <a:rPr lang="en-US" dirty="0"/>
+              <a:t>’</a:t>
+            </a:r>
+          </a:p>
+        </p:txBody>
+      </p:sp>
+      <p:sp>
+        <p:nvSpPr>
+          <p:cNvPr id="3" name="Content Placeholder 2">
+            <a:extLst>
+              <a:ext uri="{FF2B5EF4-FFF2-40B4-BE49-F238E27FC236}">
+                <a16:creationId xmlns:a16="http://schemas.microsoft.com/office/drawing/2014/main" id="{18F5AEF2-99AD-4E50-839A-487B87FCFCAC}"/>
+              </a:ext>
+            </a:extLst>
+          </p:cNvPr>
+          <p:cNvSpPr>
+            <a:spLocks noGrp="1"/>
+          </p:cNvSpPr>
+          <p:nvPr>
+            <p:ph idx="1"/>
+          </p:nvPr>
+        </p:nvSpPr>
+        <p:spPr>
+          <a:xfrm>
+            <a:off x="958466" y="1410159"/>
+            <a:ext cx="10395333" cy="4766804"/>
+          </a:xfrm>
+        </p:spPr>
+        <p:txBody>
+          <a:bodyPr/>
+          <a:lstStyle/>
+          <a:p>
+            <a:r>
+              <a:rPr lang="en-US" dirty="0"/>
+              <a:t>Update code in java script:</a:t>
+            </a:r>
+          </a:p>
+          <a:p>
+            <a:endParaRPr lang="en-US" dirty="0"/>
+          </a:p>
+        </p:txBody>
+      </p:sp>
+      <p:pic>
+        <p:nvPicPr>
+          <p:cNvPr id="5" name="Picture 4">
+            <a:extLst>
+              <a:ext uri="{FF2B5EF4-FFF2-40B4-BE49-F238E27FC236}">
+                <a16:creationId xmlns:a16="http://schemas.microsoft.com/office/drawing/2014/main" id="{EBE7B740-5E3D-4E05-A409-851EC8BEF911}"/>
+              </a:ext>
+            </a:extLst>
+          </p:cNvPr>
+          <p:cNvPicPr>
+            <a:picLocks noChangeAspect="1"/>
+          </p:cNvPicPr>
+          <p:nvPr/>
+        </p:nvPicPr>
+        <p:blipFill>
+          <a:blip r:embed="rId2"/>
+          <a:stretch>
+            <a:fillRect/>
+          </a:stretch>
+        </p:blipFill>
+        <p:spPr>
+          <a:xfrm>
+            <a:off x="5310131" y="1673546"/>
+            <a:ext cx="5068160" cy="4240029"/>
+          </a:xfrm>
+          <a:prstGeom prst="rect">
+            <a:avLst/>
+          </a:prstGeom>
+        </p:spPr>
+      </p:pic>
+    </p:spTree>
+    <p:extLst>
+      <p:ext uri="{BB962C8B-B14F-4D97-AF65-F5344CB8AC3E}">
+        <p14:creationId xmlns:p14="http://schemas.microsoft.com/office/powerpoint/2010/main" val="2518221330"/>
+      </p:ext>
+    </p:extLst>
+  </p:cSld>
+  <p:clrMapOvr>
+    <a:masterClrMapping/>
+  </p:clrMapOvr>
+</p:sld>
+</file>
+
+<file path=ppt/slides/slide7.xml><?xml version="1.0" encoding="utf-8"?>
+<p:sld xmlns:a="http://schemas.openxmlformats.org/drawingml/2006/main" xmlns:r="http://schemas.openxmlformats.org/officeDocument/2006/relationships" xmlns:p="http://schemas.openxmlformats.org/presentationml/2006/main">
+  <p:cSld>
+    <p:spTree>
+      <p:nvGrpSpPr>
+        <p:cNvPr id="1" name=""/>
+        <p:cNvGrpSpPr/>
+        <p:nvPr/>
+      </p:nvGrpSpPr>
+      <p:grpSpPr>
+        <a:xfrm>
+          <a:off x="0" y="0"/>
+          <a:ext cx="0" cy="0"/>
+          <a:chOff x="0" y="0"/>
+          <a:chExt cx="0" cy="0"/>
+        </a:xfrm>
+      </p:grpSpPr>
+      <p:sp>
+        <p:nvSpPr>
+          <p:cNvPr id="2" name="Title 1">
+            <a:extLst>
+              <a:ext uri="{FF2B5EF4-FFF2-40B4-BE49-F238E27FC236}">
+                <a16:creationId xmlns:a16="http://schemas.microsoft.com/office/drawing/2014/main" id="{AAC369DB-6B06-449F-88C8-70362B88C449}"/>
+              </a:ext>
+            </a:extLst>
+          </p:cNvPr>
+          <p:cNvSpPr>
+            <a:spLocks noGrp="1"/>
+          </p:cNvSpPr>
+          <p:nvPr>
+            <p:ph type="title"/>
+          </p:nvPr>
+        </p:nvSpPr>
+        <p:spPr/>
+        <p:txBody>
+          <a:bodyPr/>
+          <a:lstStyle/>
+          <a:p>
+            <a:r>
+              <a:rPr lang="en-US" dirty="0"/>
+              <a:t>Results</a:t>
+            </a:r>
+          </a:p>
+        </p:txBody>
+      </p:sp>
+      <p:pic>
+        <p:nvPicPr>
+          <p:cNvPr id="5" name="Content Placeholder 4">
+            <a:extLst>
+              <a:ext uri="{FF2B5EF4-FFF2-40B4-BE49-F238E27FC236}">
+                <a16:creationId xmlns:a16="http://schemas.microsoft.com/office/drawing/2014/main" id="{8CC0ACEC-3700-4042-898A-F38DFAB9686E}"/>
+              </a:ext>
+            </a:extLst>
+          </p:cNvPr>
+          <p:cNvPicPr>
+            <a:picLocks noGrp="1" noChangeAspect="1"/>
+          </p:cNvPicPr>
+          <p:nvPr>
+            <p:ph idx="1"/>
+          </p:nvPr>
+        </p:nvPicPr>
+        <p:blipFill>
+          <a:blip r:embed="rId2"/>
+          <a:stretch>
+            <a:fillRect/>
+          </a:stretch>
+        </p:blipFill>
+        <p:spPr>
+          <a:xfrm>
+            <a:off x="6776929" y="1781558"/>
+            <a:ext cx="2824552" cy="4351338"/>
+          </a:xfrm>
+        </p:spPr>
+      </p:pic>
+      <p:pic>
+        <p:nvPicPr>
+          <p:cNvPr id="7" name="Picture 6">
+            <a:extLst>
+              <a:ext uri="{FF2B5EF4-FFF2-40B4-BE49-F238E27FC236}">
+                <a16:creationId xmlns:a16="http://schemas.microsoft.com/office/drawing/2014/main" id="{F545141A-5782-45BC-8428-2AFF35BB7870}"/>
+              </a:ext>
+            </a:extLst>
+          </p:cNvPr>
+          <p:cNvPicPr>
+            <a:picLocks noChangeAspect="1"/>
+          </p:cNvPicPr>
+          <p:nvPr/>
+        </p:nvPicPr>
+        <p:blipFill>
+          <a:blip r:embed="rId3"/>
+          <a:stretch>
+            <a:fillRect/>
+          </a:stretch>
+        </p:blipFill>
+        <p:spPr>
+          <a:xfrm>
+            <a:off x="1003453" y="1880710"/>
+            <a:ext cx="2058417" cy="4351338"/>
+          </a:xfrm>
+          <a:prstGeom prst="rect">
+            <a:avLst/>
+          </a:prstGeom>
+        </p:spPr>
+      </p:pic>
+      <p:cxnSp>
+        <p:nvCxnSpPr>
+          <p:cNvPr id="9" name="Straight Arrow Connector 8">
+            <a:extLst>
+              <a:ext uri="{FF2B5EF4-FFF2-40B4-BE49-F238E27FC236}">
+                <a16:creationId xmlns:a16="http://schemas.microsoft.com/office/drawing/2014/main" id="{59DBE96C-95FA-4B16-9651-A49875012DAB}"/>
+              </a:ext>
+            </a:extLst>
+          </p:cNvPr>
+          <p:cNvCxnSpPr/>
+          <p:nvPr/>
+        </p:nvCxnSpPr>
+        <p:spPr>
+          <a:xfrm>
+            <a:off x="3062689" y="2699133"/>
+            <a:ext cx="3536415" cy="0"/>
+          </a:xfrm>
+          <a:prstGeom prst="straightConnector1">
+            <a:avLst/>
+          </a:prstGeom>
+          <a:ln>
+            <a:tailEnd type="triangle"/>
+          </a:ln>
+        </p:spPr>
+        <p:style>
+          <a:lnRef idx="1">
+            <a:schemeClr val="accent1"/>
+          </a:lnRef>
+          <a:fillRef idx="0">
+            <a:schemeClr val="accent1"/>
+          </a:fillRef>
+          <a:effectRef idx="0">
+            <a:schemeClr val="accent1"/>
+          </a:effectRef>
+          <a:fontRef idx="minor">
+            <a:schemeClr val="tx1"/>
+          </a:fontRef>
+        </p:style>
+      </p:cxnSp>
+      <p:sp>
+        <p:nvSpPr>
+          <p:cNvPr id="10" name="TextBox 9">
+            <a:extLst>
+              <a:ext uri="{FF2B5EF4-FFF2-40B4-BE49-F238E27FC236}">
+                <a16:creationId xmlns:a16="http://schemas.microsoft.com/office/drawing/2014/main" id="{91FB0EBB-8D2A-4658-8A34-46A0B87C10B6}"/>
+              </a:ext>
+            </a:extLst>
+          </p:cNvPr>
+          <p:cNvSpPr txBox="1"/>
+          <p:nvPr/>
+        </p:nvSpPr>
+        <p:spPr>
+          <a:xfrm>
+            <a:off x="3944039" y="2203373"/>
+            <a:ext cx="1740665" cy="369332"/>
+          </a:xfrm>
+          <a:prstGeom prst="rect">
+            <a:avLst/>
+          </a:prstGeom>
+          <a:noFill/>
+        </p:spPr>
+        <p:txBody>
+          <a:bodyPr wrap="square" rtlCol="0">
+            <a:spAutoFit/>
+          </a:bodyPr>
+          <a:lstStyle/>
+          <a:p>
+            <a:r>
+              <a:rPr lang="en-US" dirty="0"/>
+              <a:t>click</a:t>
+            </a:r>
+          </a:p>
+        </p:txBody>
+      </p:sp>
+    </p:spTree>
+    <p:extLst>
+      <p:ext uri="{BB962C8B-B14F-4D97-AF65-F5344CB8AC3E}">
+        <p14:creationId xmlns:p14="http://schemas.microsoft.com/office/powerpoint/2010/main" val="1196360615"/>
+      </p:ext>
+    </p:extLst>
+  </p:cSld>
+  <p:clrMapOvr>
+    <a:masterClrMapping/>
+  </p:clrMapOvr>
+</p:sld>
+</file>
+
+<file path=ppt/slides/slide8.xml><?xml version="1.0" encoding="utf-8"?>
+<p:sld xmlns:a="http://schemas.openxmlformats.org/drawingml/2006/main" xmlns:r="http://schemas.openxmlformats.org/officeDocument/2006/relationships" xmlns:p="http://schemas.openxmlformats.org/presentationml/2006/main">
+  <p:cSld>
+    <p:spTree>
+      <p:nvGrpSpPr>
+        <p:cNvPr id="1" name=""/>
+        <p:cNvGrpSpPr/>
+        <p:nvPr/>
+      </p:nvGrpSpPr>
+      <p:grpSpPr>
+        <a:xfrm>
+          <a:off x="0" y="0"/>
+          <a:ext cx="0" cy="0"/>
+          <a:chOff x="0" y="0"/>
+          <a:chExt cx="0" cy="0"/>
+        </a:xfrm>
+      </p:grpSpPr>
+      <p:sp>
+        <p:nvSpPr>
+          <p:cNvPr id="2" name="Title 1">
+            <a:extLst>
+              <a:ext uri="{FF2B5EF4-FFF2-40B4-BE49-F238E27FC236}">
+                <a16:creationId xmlns:a16="http://schemas.microsoft.com/office/drawing/2014/main" id="{CF822480-8861-4281-83B1-6560C3F9ED00}"/>
+              </a:ext>
+            </a:extLst>
+          </p:cNvPr>
+          <p:cNvSpPr>
+            <a:spLocks noGrp="1"/>
+          </p:cNvSpPr>
+          <p:nvPr>
+            <p:ph type="title"/>
+          </p:nvPr>
+        </p:nvSpPr>
+        <p:spPr/>
+        <p:txBody>
+          <a:bodyPr/>
+          <a:lstStyle/>
+          <a:p>
+            <a:r>
+              <a:rPr lang="en-US" dirty="0"/>
+              <a:t>Change button </a:t>
+            </a:r>
+            <a:r>
+              <a:rPr lang="en-US" dirty="0" err="1"/>
+              <a:t>textcontent</a:t>
+            </a:r>
+            <a:r>
+              <a:rPr lang="en-US" dirty="0"/>
+              <a:t> upon click</a:t>
+            </a:r>
+          </a:p>
+        </p:txBody>
+      </p:sp>
+      <p:sp>
+        <p:nvSpPr>
+          <p:cNvPr id="7" name="Content Placeholder 6">
+            <a:extLst>
+              <a:ext uri="{FF2B5EF4-FFF2-40B4-BE49-F238E27FC236}">
+                <a16:creationId xmlns:a16="http://schemas.microsoft.com/office/drawing/2014/main" id="{A95ECEE6-5382-4518-8B17-9C363FF79576}"/>
+              </a:ext>
+            </a:extLst>
+          </p:cNvPr>
+          <p:cNvSpPr>
+            <a:spLocks noGrp="1"/>
+          </p:cNvSpPr>
+          <p:nvPr>
+            <p:ph idx="1"/>
+          </p:nvPr>
+        </p:nvSpPr>
+        <p:spPr/>
+        <p:txBody>
+          <a:bodyPr/>
+          <a:lstStyle/>
+          <a:p>
+            <a:r>
+              <a:rPr lang="en-US" dirty="0"/>
+              <a:t>Change button onclick to a meaningful name:</a:t>
+            </a:r>
+          </a:p>
+          <a:p>
+            <a:endParaRPr lang="en-US" dirty="0"/>
+          </a:p>
+        </p:txBody>
+      </p:sp>
+      <p:pic>
+        <p:nvPicPr>
+          <p:cNvPr id="9" name="Picture 8">
+            <a:extLst>
+              <a:ext uri="{FF2B5EF4-FFF2-40B4-BE49-F238E27FC236}">
+                <a16:creationId xmlns:a16="http://schemas.microsoft.com/office/drawing/2014/main" id="{3402C5AE-5E5F-4473-A0B8-FAB8DFCE68AF}"/>
+              </a:ext>
+            </a:extLst>
+          </p:cNvPr>
+          <p:cNvPicPr>
+            <a:picLocks noChangeAspect="1"/>
+          </p:cNvPicPr>
+          <p:nvPr/>
+        </p:nvPicPr>
+        <p:blipFill>
+          <a:blip r:embed="rId2"/>
+          <a:stretch>
+            <a:fillRect/>
+          </a:stretch>
+        </p:blipFill>
+        <p:spPr>
+          <a:xfrm>
+            <a:off x="1575412" y="2463318"/>
+            <a:ext cx="7833853" cy="4160745"/>
+          </a:xfrm>
+          <a:prstGeom prst="rect">
+            <a:avLst/>
+          </a:prstGeom>
+        </p:spPr>
+      </p:pic>
+    </p:spTree>
+    <p:extLst>
+      <p:ext uri="{BB962C8B-B14F-4D97-AF65-F5344CB8AC3E}">
+        <p14:creationId xmlns:p14="http://schemas.microsoft.com/office/powerpoint/2010/main" val="672284357"/>
+      </p:ext>
+    </p:extLst>
+  </p:cSld>
+  <p:clrMapOvr>
+    <a:masterClrMapping/>
+  </p:clrMapOvr>
+</p:sld>
+</file>
+
+<file path=ppt/slides/slide9.xml><?xml version="1.0" encoding="utf-8"?>
+<p:sld xmlns:a="http://schemas.openxmlformats.org/drawingml/2006/main" xmlns:r="http://schemas.openxmlformats.org/officeDocument/2006/relationships" xmlns:p="http://schemas.openxmlformats.org/presentationml/2006/main">
+  <p:cSld>
+    <p:spTree>
+      <p:nvGrpSpPr>
+        <p:cNvPr id="1" name=""/>
+        <p:cNvGrpSpPr/>
+        <p:nvPr/>
+      </p:nvGrpSpPr>
+      <p:grpSpPr>
+        <a:xfrm>
+          <a:off x="0" y="0"/>
+          <a:ext cx="0" cy="0"/>
+          <a:chOff x="0" y="0"/>
+          <a:chExt cx="0" cy="0"/>
+        </a:xfrm>
+      </p:grpSpPr>
+      <p:sp>
+        <p:nvSpPr>
+          <p:cNvPr id="2" name="Title 1">
+            <a:extLst>
+              <a:ext uri="{FF2B5EF4-FFF2-40B4-BE49-F238E27FC236}">
+                <a16:creationId xmlns:a16="http://schemas.microsoft.com/office/drawing/2014/main" id="{FC88A3E7-4A26-4E2E-8C60-BF9726845440}"/>
+              </a:ext>
+            </a:extLst>
+          </p:cNvPr>
+          <p:cNvSpPr>
+            <a:spLocks noGrp="1"/>
+          </p:cNvSpPr>
+          <p:nvPr>
+            <p:ph type="title"/>
+          </p:nvPr>
+        </p:nvSpPr>
+        <p:spPr/>
+        <p:txBody>
+          <a:bodyPr/>
+          <a:lstStyle/>
+          <a:p>
+            <a:r>
+              <a:rPr lang="en-US" dirty="0"/>
+              <a:t>Update script</a:t>
+            </a:r>
+          </a:p>
+        </p:txBody>
+      </p:sp>
+      <p:pic>
+        <p:nvPicPr>
+          <p:cNvPr id="4" name="Content Placeholder 4">
+            <a:extLst>
+              <a:ext uri="{FF2B5EF4-FFF2-40B4-BE49-F238E27FC236}">
+                <a16:creationId xmlns:a16="http://schemas.microsoft.com/office/drawing/2014/main" id="{D7CA6C4E-BBB0-4732-8429-FB7DD3E0EB0B}"/>
+              </a:ext>
+            </a:extLst>
+          </p:cNvPr>
+          <p:cNvPicPr>
+            <a:picLocks noGrp="1" noChangeAspect="1"/>
+          </p:cNvPicPr>
+          <p:nvPr>
+            <p:ph idx="1"/>
+          </p:nvPr>
+        </p:nvPicPr>
+        <p:blipFill>
+          <a:blip r:embed="rId2"/>
+          <a:stretch>
+            <a:fillRect/>
+          </a:stretch>
+        </p:blipFill>
+        <p:spPr>
+          <a:xfrm>
+            <a:off x="3839989" y="1825625"/>
+            <a:ext cx="4512022" cy="4351338"/>
+          </a:xfrm>
+        </p:spPr>
+      </p:pic>
+    </p:spTree>
+    <p:extLst>
+      <p:ext uri="{BB962C8B-B14F-4D97-AF65-F5344CB8AC3E}">
+        <p14:creationId xmlns:p14="http://schemas.microsoft.com/office/powerpoint/2010/main" val="1380011779"/>
       </p:ext>
     </p:extLst>
   </p:cSld>
